--- a/docs/songs_2022-05-08.pptx
+++ b/docs/songs_2022-05-08.pptx
@@ -5,7 +5,7 @@
     <p:sldMasterId id="2147483648" r:id="rId1"/>
   </p:sldMasterIdLst>
   <p:notesMasterIdLst>
-    <p:notesMasterId r:id="rId31"/>
+    <p:notesMasterId r:id="rId34"/>
   </p:notesMasterIdLst>
   <p:sldIdLst>
     <p:sldId id="459" r:id="rId2"/>
@@ -24,19 +24,22 @@
     <p:sldId id="620" r:id="rId15"/>
     <p:sldId id="621" r:id="rId16"/>
     <p:sldId id="476" r:id="rId17"/>
-    <p:sldId id="477" r:id="rId18"/>
-    <p:sldId id="478" r:id="rId19"/>
-    <p:sldId id="638" r:id="rId20"/>
-    <p:sldId id="466" r:id="rId21"/>
-    <p:sldId id="467" r:id="rId22"/>
-    <p:sldId id="474" r:id="rId23"/>
-    <p:sldId id="568" r:id="rId24"/>
-    <p:sldId id="610" r:id="rId25"/>
-    <p:sldId id="518" r:id="rId26"/>
-    <p:sldId id="482" r:id="rId27"/>
-    <p:sldId id="611" r:id="rId28"/>
-    <p:sldId id="605" r:id="rId29"/>
-    <p:sldId id="540" r:id="rId30"/>
+    <p:sldId id="640" r:id="rId18"/>
+    <p:sldId id="641" r:id="rId19"/>
+    <p:sldId id="639" r:id="rId20"/>
+    <p:sldId id="477" r:id="rId21"/>
+    <p:sldId id="478" r:id="rId22"/>
+    <p:sldId id="610" r:id="rId23"/>
+    <p:sldId id="518" r:id="rId24"/>
+    <p:sldId id="482" r:id="rId25"/>
+    <p:sldId id="611" r:id="rId26"/>
+    <p:sldId id="638" r:id="rId27"/>
+    <p:sldId id="466" r:id="rId28"/>
+    <p:sldId id="467" r:id="rId29"/>
+    <p:sldId id="474" r:id="rId30"/>
+    <p:sldId id="568" r:id="rId31"/>
+    <p:sldId id="605" r:id="rId32"/>
+    <p:sldId id="540" r:id="rId33"/>
   </p:sldIdLst>
   <p:sldSz cx="9144000" cy="6858000" type="screen4x3"/>
   <p:notesSz cx="6858000" cy="9144000"/>
@@ -236,7 +239,7 @@
           <a:p>
             <a:fld id="{C57EAEFC-A9C7-464E-BE3F-33D4DD72E122}" type="datetimeFigureOut">
               <a:rPr lang="en-GB" smtClean="0"/>
-              <a:t>05/05/2022</a:t>
+              <a:t>08/05/2022</a:t>
             </a:fld>
             <a:endParaRPr lang="en-GB"/>
           </a:p>
@@ -686,7 +689,7 @@
             <a:fld id="{26EA1CF3-4A15-4CBF-9A5A-6A56C368BE71}" type="datetimeFigureOut">
               <a:rPr lang="en-GB" smtClean="0"/>
               <a:pPr/>
-              <a:t>05/05/2022</a:t>
+              <a:t>08/05/2022</a:t>
             </a:fld>
             <a:endParaRPr lang="en-GB"/>
           </a:p>
@@ -853,7 +856,7 @@
             <a:fld id="{26EA1CF3-4A15-4CBF-9A5A-6A56C368BE71}" type="datetimeFigureOut">
               <a:rPr lang="en-GB" smtClean="0"/>
               <a:pPr/>
-              <a:t>05/05/2022</a:t>
+              <a:t>08/05/2022</a:t>
             </a:fld>
             <a:endParaRPr lang="en-GB"/>
           </a:p>
@@ -1030,7 +1033,7 @@
             <a:fld id="{26EA1CF3-4A15-4CBF-9A5A-6A56C368BE71}" type="datetimeFigureOut">
               <a:rPr lang="en-GB" smtClean="0"/>
               <a:pPr/>
-              <a:t>05/05/2022</a:t>
+              <a:t>08/05/2022</a:t>
             </a:fld>
             <a:endParaRPr lang="en-GB"/>
           </a:p>
@@ -1197,7 +1200,7 @@
             <a:fld id="{26EA1CF3-4A15-4CBF-9A5A-6A56C368BE71}" type="datetimeFigureOut">
               <a:rPr lang="en-GB" smtClean="0"/>
               <a:pPr/>
-              <a:t>05/05/2022</a:t>
+              <a:t>08/05/2022</a:t>
             </a:fld>
             <a:endParaRPr lang="en-GB"/>
           </a:p>
@@ -1440,7 +1443,7 @@
             <a:fld id="{26EA1CF3-4A15-4CBF-9A5A-6A56C368BE71}" type="datetimeFigureOut">
               <a:rPr lang="en-GB" smtClean="0"/>
               <a:pPr/>
-              <a:t>05/05/2022</a:t>
+              <a:t>08/05/2022</a:t>
             </a:fld>
             <a:endParaRPr lang="en-GB"/>
           </a:p>
@@ -1725,7 +1728,7 @@
             <a:fld id="{26EA1CF3-4A15-4CBF-9A5A-6A56C368BE71}" type="datetimeFigureOut">
               <a:rPr lang="en-GB" smtClean="0"/>
               <a:pPr/>
-              <a:t>05/05/2022</a:t>
+              <a:t>08/05/2022</a:t>
             </a:fld>
             <a:endParaRPr lang="en-GB"/>
           </a:p>
@@ -2144,7 +2147,7 @@
             <a:fld id="{26EA1CF3-4A15-4CBF-9A5A-6A56C368BE71}" type="datetimeFigureOut">
               <a:rPr lang="en-GB" smtClean="0"/>
               <a:pPr/>
-              <a:t>05/05/2022</a:t>
+              <a:t>08/05/2022</a:t>
             </a:fld>
             <a:endParaRPr lang="en-GB"/>
           </a:p>
@@ -2259,7 +2262,7 @@
             <a:fld id="{26EA1CF3-4A15-4CBF-9A5A-6A56C368BE71}" type="datetimeFigureOut">
               <a:rPr lang="en-GB" smtClean="0"/>
               <a:pPr/>
-              <a:t>05/05/2022</a:t>
+              <a:t>08/05/2022</a:t>
             </a:fld>
             <a:endParaRPr lang="en-GB"/>
           </a:p>
@@ -2351,7 +2354,7 @@
             <a:fld id="{26EA1CF3-4A15-4CBF-9A5A-6A56C368BE71}" type="datetimeFigureOut">
               <a:rPr lang="en-GB" smtClean="0"/>
               <a:pPr/>
-              <a:t>05/05/2022</a:t>
+              <a:t>08/05/2022</a:t>
             </a:fld>
             <a:endParaRPr lang="en-GB"/>
           </a:p>
@@ -2625,7 +2628,7 @@
             <a:fld id="{26EA1CF3-4A15-4CBF-9A5A-6A56C368BE71}" type="datetimeFigureOut">
               <a:rPr lang="en-GB" smtClean="0"/>
               <a:pPr/>
-              <a:t>05/05/2022</a:t>
+              <a:t>08/05/2022</a:t>
             </a:fld>
             <a:endParaRPr lang="en-GB"/>
           </a:p>
@@ -2875,7 +2878,7 @@
             <a:fld id="{26EA1CF3-4A15-4CBF-9A5A-6A56C368BE71}" type="datetimeFigureOut">
               <a:rPr lang="en-GB" smtClean="0"/>
               <a:pPr/>
-              <a:t>05/05/2022</a:t>
+              <a:t>08/05/2022</a:t>
             </a:fld>
             <a:endParaRPr lang="en-GB"/>
           </a:p>
@@ -3088,7 +3091,7 @@
             <a:fld id="{26EA1CF3-4A15-4CBF-9A5A-6A56C368BE71}" type="datetimeFigureOut">
               <a:rPr lang="en-GB" smtClean="0"/>
               <a:pPr/>
-              <a:t>05/05/2022</a:t>
+              <a:t>08/05/2022</a:t>
             </a:fld>
             <a:endParaRPr lang="en-GB"/>
           </a:p>
@@ -4121,7 +4124,17 @@
                   <a:schemeClr val="bg1"/>
                 </a:solidFill>
               </a:rPr>
-              <a:t>Now I've found the greatest love of all is mine</a:t>
+              <a:t>Now, I've found</a:t>
+            </a:r>
+          </a:p>
+          <a:p>
+            <a:r>
+              <a:rPr lang="en-GB" sz="4800" dirty="0">
+                <a:solidFill>
+                  <a:schemeClr val="bg1"/>
+                </a:solidFill>
+              </a:rPr>
+              <a:t>The greatest love of all, is mine</a:t>
             </a:r>
           </a:p>
           <a:p>
@@ -4459,7 +4472,7 @@
                   <a:schemeClr val="bg1"/>
                 </a:solidFill>
               </a:rPr>
-              <a:t>Sanctified by glory and fire</a:t>
+              <a:t>Sanctified, by glory and fire</a:t>
             </a:r>
           </a:p>
         </p:txBody>
@@ -4564,7 +4577,7 @@
                 <a:effectLst/>
                 <a:latin typeface="akagi_probook"/>
               </a:rPr>
-              <a:t>Agnus Dei</a:t>
+              <a:t>Majesty</a:t>
             </a:r>
             <a:endParaRPr lang="en-GB" sz="6600" dirty="0">
               <a:solidFill>
@@ -4587,7 +4600,7 @@
                   <a:schemeClr val="bg1"/>
                 </a:solidFill>
               </a:rPr>
-              <a:t>CCLI Song # 626713</a:t>
+              <a:t>CCLI Song # 1527</a:t>
             </a:r>
           </a:p>
           <a:p>
@@ -4604,7 +4617,7 @@
                   <a:schemeClr val="bg1"/>
                 </a:solidFill>
               </a:rPr>
-              <a:t>Michael W. Smith</a:t>
+              <a:t>Jack Hayford</a:t>
             </a:r>
           </a:p>
           <a:p>
@@ -4621,23 +4634,7 @@
                   <a:schemeClr val="bg1"/>
                 </a:solidFill>
               </a:rPr>
-              <a:t>© 1990 Sony/ATV </a:t>
-            </a:r>
-            <a:r>
-              <a:rPr lang="en-GB" sz="1200" dirty="0" err="1">
-                <a:solidFill>
-                  <a:schemeClr val="bg1"/>
-                </a:solidFill>
-              </a:rPr>
-              <a:t>Milene</a:t>
-            </a:r>
-            <a:r>
-              <a:rPr lang="en-GB" sz="1200" dirty="0">
-                <a:solidFill>
-                  <a:schemeClr val="bg1"/>
-                </a:solidFill>
-              </a:rPr>
-              <a:t> Music (Admin. by Sony/ATV Music Publishing)</a:t>
+              <a:t>© 1981 New Spring (Admin. by / Small Stone Media BV, Holland (Admin. in the UK/Eire by Song Solutions www.songsolutions.org))</a:t>
             </a:r>
           </a:p>
           <a:p>
@@ -4727,8 +4724,8 @@
         </p:nvSpPr>
         <p:spPr>
           <a:xfrm>
-            <a:off x="323528" y="188640"/>
-            <a:ext cx="8640960" cy="6480720"/>
+            <a:off x="323528" y="0"/>
+            <a:ext cx="8640960" cy="6669360"/>
           </a:xfrm>
         </p:spPr>
         <p:txBody>
@@ -4738,78 +4735,62 @@
           <a:lstStyle/>
           <a:p>
             <a:r>
-              <a:rPr lang="en-GB" sz="4800" dirty="0">
-                <a:solidFill>
-                  <a:schemeClr val="bg1"/>
-                </a:solidFill>
-              </a:rPr>
-              <a:t>Alleluia </a:t>
-            </a:r>
-            <a:r>
-              <a:rPr lang="en-GB" sz="4800" dirty="0" err="1">
-                <a:solidFill>
-                  <a:schemeClr val="bg1"/>
-                </a:solidFill>
-              </a:rPr>
-              <a:t>alleluia</a:t>
-            </a:r>
-            <a:endParaRPr lang="en-GB" sz="4800" dirty="0">
-              <a:solidFill>
-                <a:schemeClr val="bg1"/>
-              </a:solidFill>
-            </a:endParaRPr>
-          </a:p>
-          <a:p>
-            <a:r>
-              <a:rPr lang="en-GB" sz="4800" dirty="0">
-                <a:solidFill>
-                  <a:schemeClr val="bg1"/>
-                </a:solidFill>
-              </a:rPr>
-              <a:t>For the Lord God Almighty reigns</a:t>
-            </a:r>
-          </a:p>
-          <a:p>
-            <a:r>
-              <a:rPr lang="en-GB" sz="4800" dirty="0">
-                <a:solidFill>
-                  <a:schemeClr val="bg1"/>
-                </a:solidFill>
-              </a:rPr>
-              <a:t>Alleluia </a:t>
-            </a:r>
-            <a:r>
-              <a:rPr lang="en-GB" sz="4800" dirty="0" err="1">
-                <a:solidFill>
-                  <a:schemeClr val="bg1"/>
-                </a:solidFill>
-              </a:rPr>
-              <a:t>alleluia</a:t>
-            </a:r>
-            <a:endParaRPr lang="en-GB" sz="4800" dirty="0">
-              <a:solidFill>
-                <a:schemeClr val="bg1"/>
-              </a:solidFill>
-            </a:endParaRPr>
-          </a:p>
-          <a:p>
-            <a:r>
-              <a:rPr lang="en-GB" sz="4800" dirty="0">
-                <a:solidFill>
-                  <a:schemeClr val="bg1"/>
-                </a:solidFill>
-              </a:rPr>
-              <a:t>For the Lord God Almighty reigns</a:t>
-            </a:r>
-          </a:p>
-          <a:p>
-            <a:r>
-              <a:rPr lang="en-GB" sz="4800" dirty="0">
-                <a:solidFill>
-                  <a:schemeClr val="bg1"/>
-                </a:solidFill>
-              </a:rPr>
-              <a:t>Alleluia</a:t>
+              <a:rPr lang="en-GB" sz="4400" dirty="0">
+                <a:solidFill>
+                  <a:schemeClr val="bg1"/>
+                </a:solidFill>
+              </a:rPr>
+              <a:t>Majesty worship His majesty</a:t>
+            </a:r>
+          </a:p>
+          <a:p>
+            <a:r>
+              <a:rPr lang="en-GB" sz="4400" dirty="0">
+                <a:solidFill>
+                  <a:schemeClr val="bg1"/>
+                </a:solidFill>
+              </a:rPr>
+              <a:t>Unto Jesus be all glory</a:t>
+            </a:r>
+          </a:p>
+          <a:p>
+            <a:r>
+              <a:rPr lang="en-GB" sz="4400" dirty="0">
+                <a:solidFill>
+                  <a:schemeClr val="bg1"/>
+                </a:solidFill>
+              </a:rPr>
+              <a:t>Honour and praise</a:t>
+            </a:r>
+          </a:p>
+          <a:p>
+            <a:r>
+              <a:rPr lang="en-GB" sz="4400" dirty="0">
+                <a:solidFill>
+                  <a:schemeClr val="bg1"/>
+                </a:solidFill>
+              </a:rPr>
+              <a:t>Majesty kingdom authority</a:t>
+            </a:r>
+          </a:p>
+          <a:p>
+            <a:r>
+              <a:rPr lang="en-GB" sz="4400" dirty="0">
+                <a:solidFill>
+                  <a:schemeClr val="bg1"/>
+                </a:solidFill>
+              </a:rPr>
+              <a:t>Flows from His throne</a:t>
+            </a:r>
+          </a:p>
+          <a:p>
+            <a:r>
+              <a:rPr lang="en-GB" sz="4400" dirty="0">
+                <a:solidFill>
+                  <a:schemeClr val="bg1"/>
+                </a:solidFill>
+              </a:rPr>
+              <a:t>Unto His own His anthem raise</a:t>
             </a:r>
           </a:p>
         </p:txBody>
@@ -4850,7 +4831,7 @@
     </p:spTree>
     <p:extLst>
       <p:ext uri="{BB962C8B-B14F-4D97-AF65-F5344CB8AC3E}">
-        <p14:creationId xmlns:p14="http://schemas.microsoft.com/office/powerpoint/2010/main" val="2268767841"/>
+        <p14:creationId xmlns:p14="http://schemas.microsoft.com/office/powerpoint/2010/main" val="443409482"/>
       </p:ext>
     </p:extLst>
   </p:cSld>
@@ -4889,8 +4870,8 @@
         </p:nvSpPr>
         <p:spPr>
           <a:xfrm>
-            <a:off x="323528" y="188640"/>
-            <a:ext cx="8640960" cy="6480720"/>
+            <a:off x="323528" y="0"/>
+            <a:ext cx="8640960" cy="6669360"/>
           </a:xfrm>
         </p:spPr>
         <p:txBody>
@@ -4900,118 +4881,72 @@
           <a:lstStyle/>
           <a:p>
             <a:r>
-              <a:rPr lang="en-GB" sz="4000" dirty="0">
-                <a:solidFill>
-                  <a:schemeClr val="bg1"/>
-                </a:solidFill>
-              </a:rPr>
-              <a:t>(You are) Holy </a:t>
-            </a:r>
-            <a:r>
-              <a:rPr lang="en-GB" sz="4000" dirty="0" err="1">
-                <a:solidFill>
-                  <a:schemeClr val="bg1"/>
-                </a:solidFill>
-              </a:rPr>
-              <a:t>holy</a:t>
-            </a:r>
-            <a:endParaRPr lang="en-GB" sz="4000" dirty="0">
-              <a:solidFill>
-                <a:schemeClr val="bg1"/>
-              </a:solidFill>
-            </a:endParaRPr>
-          </a:p>
-          <a:p>
-            <a:r>
-              <a:rPr lang="en-GB" sz="4000" dirty="0">
-                <a:solidFill>
-                  <a:schemeClr val="bg1"/>
-                </a:solidFill>
-              </a:rPr>
-              <a:t>Are You Lord God Almighty</a:t>
-            </a:r>
-          </a:p>
-          <a:p>
-            <a:r>
-              <a:rPr lang="en-GB" sz="4000" dirty="0">
-                <a:solidFill>
-                  <a:schemeClr val="bg1"/>
-                </a:solidFill>
-              </a:rPr>
-              <a:t>Worthy is the Lamb</a:t>
-            </a:r>
-          </a:p>
-          <a:p>
-            <a:r>
-              <a:rPr lang="en-GB" sz="4000" dirty="0">
-                <a:solidFill>
-                  <a:schemeClr val="bg1"/>
-                </a:solidFill>
-              </a:rPr>
-              <a:t>Worthy is the Lamb</a:t>
-            </a:r>
-          </a:p>
-          <a:p>
-            <a:r>
-              <a:rPr lang="en-GB" sz="4000" dirty="0">
-                <a:solidFill>
-                  <a:schemeClr val="bg1"/>
-                </a:solidFill>
-              </a:rPr>
-              <a:t>You are holy </a:t>
-            </a:r>
-            <a:r>
-              <a:rPr lang="en-GB" sz="4000" dirty="0" err="1">
-                <a:solidFill>
-                  <a:schemeClr val="bg1"/>
-                </a:solidFill>
-              </a:rPr>
-              <a:t>holy</a:t>
-            </a:r>
-            <a:endParaRPr lang="en-GB" sz="4000" dirty="0">
-              <a:solidFill>
-                <a:schemeClr val="bg1"/>
-              </a:solidFill>
-            </a:endParaRPr>
-          </a:p>
-          <a:p>
-            <a:r>
-              <a:rPr lang="en-GB" sz="4000" dirty="0">
-                <a:solidFill>
-                  <a:schemeClr val="bg1"/>
-                </a:solidFill>
-              </a:rPr>
-              <a:t>Are You Lord God Almighty</a:t>
-            </a:r>
-          </a:p>
-          <a:p>
-            <a:r>
-              <a:rPr lang="en-GB" sz="4000" dirty="0">
-                <a:solidFill>
-                  <a:schemeClr val="bg1"/>
-                </a:solidFill>
-              </a:rPr>
-              <a:t>Worthy is the Lamb</a:t>
-            </a:r>
-          </a:p>
-          <a:p>
-            <a:r>
-              <a:rPr lang="en-GB" sz="4000" dirty="0">
-                <a:solidFill>
-                  <a:schemeClr val="bg1"/>
-                </a:solidFill>
-              </a:rPr>
-              <a:t>Worthy is the Lamb</a:t>
-            </a:r>
-          </a:p>
-          <a:p>
-            <a:r>
-              <a:rPr lang="en-GB" sz="4000" dirty="0">
-                <a:solidFill>
-                  <a:schemeClr val="bg1"/>
-                </a:solidFill>
-              </a:rPr>
-              <a:t>Amen</a:t>
+              <a:rPr lang="en-GB" sz="4400" dirty="0">
+                <a:solidFill>
+                  <a:schemeClr val="bg1"/>
+                </a:solidFill>
+              </a:rPr>
+              <a:t>So exalt lift up on high</a:t>
+            </a:r>
+          </a:p>
+          <a:p>
+            <a:r>
+              <a:rPr lang="en-GB" sz="4400" dirty="0">
+                <a:solidFill>
+                  <a:schemeClr val="bg1"/>
+                </a:solidFill>
+              </a:rPr>
+              <a:t>The name of Jesus</a:t>
+            </a:r>
+          </a:p>
+          <a:p>
+            <a:r>
+              <a:rPr lang="en-GB" sz="4400" dirty="0">
+                <a:solidFill>
+                  <a:schemeClr val="bg1"/>
+                </a:solidFill>
+              </a:rPr>
+              <a:t>Magnify come glorify</a:t>
+            </a:r>
+          </a:p>
+          <a:p>
+            <a:r>
+              <a:rPr lang="en-GB" sz="4400" dirty="0">
+                <a:solidFill>
+                  <a:schemeClr val="bg1"/>
+                </a:solidFill>
+              </a:rPr>
+              <a:t>Christ Jesus the King</a:t>
+            </a:r>
+          </a:p>
+          <a:p>
+            <a:r>
+              <a:rPr lang="en-GB" sz="4400" dirty="0">
+                <a:solidFill>
+                  <a:schemeClr val="bg1"/>
+                </a:solidFill>
+              </a:rPr>
+              <a:t>Majesty worship His majesty</a:t>
+            </a:r>
+          </a:p>
+          <a:p>
+            <a:r>
+              <a:rPr lang="en-GB" sz="4400" dirty="0">
+                <a:solidFill>
+                  <a:schemeClr val="bg1"/>
+                </a:solidFill>
+              </a:rPr>
+              <a:t>Jesus who died now glorified</a:t>
+            </a:r>
+          </a:p>
+          <a:p>
+            <a:r>
+              <a:rPr lang="en-GB" sz="4400" dirty="0">
+                <a:solidFill>
+                  <a:schemeClr val="bg1"/>
+                </a:solidFill>
+              </a:rPr>
+              <a:t>King of all kings</a:t>
             </a:r>
           </a:p>
         </p:txBody>
@@ -5052,7 +4987,7 @@
     </p:spTree>
     <p:extLst>
       <p:ext uri="{BB962C8B-B14F-4D97-AF65-F5344CB8AC3E}">
-        <p14:creationId xmlns:p14="http://schemas.microsoft.com/office/powerpoint/2010/main" val="1680699641"/>
+        <p14:creationId xmlns:p14="http://schemas.microsoft.com/office/powerpoint/2010/main" val="2726901078"/>
       </p:ext>
     </p:extLst>
   </p:cSld>
@@ -5109,13 +5044,37 @@
           </a:p>
           <a:p>
             <a:r>
-              <a:rPr lang="en-GB" sz="6600" dirty="0">
+              <a:rPr lang="en-GB" sz="4400" b="0" i="0" dirty="0">
                 <a:solidFill>
                   <a:srgbClr val="00A3E0"/>
                 </a:solidFill>
+                <a:effectLst/>
                 <a:latin typeface="akagi_probook"/>
               </a:rPr>
-              <a:t>Holy Spirit</a:t>
+              <a:t>Agnus Dei</a:t>
+            </a:r>
+            <a:endParaRPr lang="en-GB" sz="6600" dirty="0">
+              <a:solidFill>
+                <a:srgbClr val="00A3E0"/>
+              </a:solidFill>
+              <a:latin typeface="akagi_probook"/>
+            </a:endParaRPr>
+          </a:p>
+          <a:p>
+            <a:br>
+              <a:rPr lang="en-GB" sz="1200" dirty="0">
+                <a:solidFill>
+                  <a:schemeClr val="bg1"/>
+                </a:solidFill>
+              </a:rPr>
+            </a:br>
+            <a:r>
+              <a:rPr lang="en-GB" sz="1200" dirty="0">
+                <a:solidFill>
+                  <a:schemeClr val="bg1"/>
+                </a:solidFill>
+              </a:rPr>
+              <a:t>CCLI Song # 626713</a:t>
             </a:r>
           </a:p>
           <a:p>
@@ -5132,7 +5091,7 @@
                   <a:schemeClr val="bg1"/>
                 </a:solidFill>
               </a:rPr>
-              <a:t>CCLI Song # 6087919</a:t>
+              <a:t>Michael W. Smith</a:t>
             </a:r>
           </a:p>
           <a:p>
@@ -5149,7 +5108,7 @@
                   <a:schemeClr val="bg1"/>
                 </a:solidFill>
               </a:rPr>
-              <a:t>Bryan </a:t>
+              <a:t>© 1990 Sony/ATV </a:t>
             </a:r>
             <a:r>
               <a:rPr lang="en-GB" sz="1200" dirty="0" err="1">
@@ -5157,7 +5116,7 @@
                   <a:schemeClr val="bg1"/>
                 </a:solidFill>
               </a:rPr>
-              <a:t>Torwalt</a:t>
+              <a:t>Milene</a:t>
             </a:r>
             <a:r>
               <a:rPr lang="en-GB" sz="1200" dirty="0">
@@ -5165,7 +5124,17 @@
                   <a:schemeClr val="bg1"/>
                 </a:solidFill>
               </a:rPr>
-              <a:t> | Katie </a:t>
+              <a:t> Music (Admin. by Sony/ATV Music Publishing)</a:t>
+            </a:r>
+          </a:p>
+          <a:p>
+            <a:r>
+              <a:rPr lang="en-GB" sz="1200" dirty="0">
+                <a:solidFill>
+                  <a:schemeClr val="bg1"/>
+                </a:solidFill>
+              </a:rPr>
+              <a:t>For use solely with the </a:t>
             </a:r>
             <a:r>
               <a:rPr lang="en-GB" sz="1200" dirty="0" err="1">
@@ -5173,8 +5142,18 @@
                   <a:schemeClr val="bg1"/>
                 </a:solidFill>
               </a:rPr>
-              <a:t>Torwalt</a:t>
-            </a:r>
+              <a:t>SongSelect</a:t>
+            </a:r>
+            <a:r>
+              <a:rPr lang="en-GB" sz="1200" dirty="0">
+                <a:solidFill>
+                  <a:schemeClr val="bg1"/>
+                </a:solidFill>
+              </a:rPr>
+              <a:t>® Terms of Use. All rights reserved. www.ccli.com</a:t>
+            </a:r>
+          </a:p>
+          <a:p>
             <a:endParaRPr lang="en-GB" sz="1200" dirty="0">
               <a:solidFill>
                 <a:schemeClr val="bg1"/>
@@ -5182,95 +5161,21 @@
             </a:endParaRPr>
           </a:p>
           <a:p>
-            <a:endParaRPr lang="en-GB" sz="1200" dirty="0">
-              <a:solidFill>
-                <a:schemeClr val="bg1"/>
-              </a:solidFill>
-            </a:endParaRPr>
-          </a:p>
-          <a:p>
             <a:r>
               <a:rPr lang="en-GB" sz="1200" dirty="0">
                 <a:solidFill>
                   <a:schemeClr val="bg1"/>
                 </a:solidFill>
               </a:rPr>
-              <a:t>© 2011 Capitol CMG Genesis (Admin. by Capitol CMG Publishing)</a:t>
-            </a:r>
-          </a:p>
-          <a:p>
-            <a:r>
-              <a:rPr lang="en-GB" sz="1200" dirty="0">
-                <a:solidFill>
-                  <a:schemeClr val="bg1"/>
-                </a:solidFill>
-              </a:rPr>
-              <a:t>Jesus Culture Music (Admin. by Capitol CMG Publishing)</a:t>
-            </a:r>
-          </a:p>
-          <a:p>
-            <a:r>
-              <a:rPr lang="en-GB" sz="1200" dirty="0">
-                <a:solidFill>
-                  <a:schemeClr val="bg1"/>
-                </a:solidFill>
-              </a:rPr>
-              <a:t>For use solely with the </a:t>
-            </a:r>
-            <a:r>
-              <a:rPr lang="en-GB" sz="1200" dirty="0" err="1">
-                <a:solidFill>
-                  <a:schemeClr val="bg1"/>
-                </a:solidFill>
-              </a:rPr>
-              <a:t>SongSelect</a:t>
-            </a:r>
-            <a:r>
-              <a:rPr lang="en-GB" sz="1200" dirty="0">
-                <a:solidFill>
-                  <a:schemeClr val="bg1"/>
-                </a:solidFill>
-              </a:rPr>
-              <a:t>® Terms of Use. All rights reserved. www.ccli.com</a:t>
-            </a:r>
-          </a:p>
-          <a:p>
-            <a:endParaRPr lang="en-GB" sz="1200" dirty="0">
-              <a:solidFill>
-                <a:schemeClr val="bg1"/>
-              </a:solidFill>
-            </a:endParaRPr>
-          </a:p>
-          <a:p>
-            <a:r>
-              <a:rPr lang="en-GB" sz="1200" dirty="0">
-                <a:solidFill>
-                  <a:schemeClr val="bg1"/>
-                </a:solidFill>
-              </a:rPr>
               <a:t>CCLI Licence No. 33265</a:t>
             </a:r>
-          </a:p>
-          <a:p>
-            <a:endParaRPr lang="en-GB" sz="1200" dirty="0">
-              <a:solidFill>
-                <a:schemeClr val="bg1"/>
-              </a:solidFill>
-            </a:endParaRPr>
-          </a:p>
-          <a:p>
-            <a:endParaRPr lang="en-GB" sz="1200" dirty="0">
-              <a:solidFill>
-                <a:schemeClr val="bg1"/>
-              </a:solidFill>
-            </a:endParaRPr>
           </a:p>
         </p:txBody>
       </p:sp>
     </p:spTree>
     <p:extLst>
       <p:ext uri="{BB962C8B-B14F-4D97-AF65-F5344CB8AC3E}">
-        <p14:creationId xmlns:p14="http://schemas.microsoft.com/office/powerpoint/2010/main" val="1231073289"/>
+        <p14:creationId xmlns:p14="http://schemas.microsoft.com/office/powerpoint/2010/main" val="312816293"/>
       </p:ext>
     </p:extLst>
   </p:cSld>
@@ -5476,32 +5381,78 @@
           <a:lstStyle/>
           <a:p>
             <a:r>
-              <a:rPr lang="en-GB" sz="4600" dirty="0">
-                <a:solidFill>
-                  <a:schemeClr val="bg1"/>
-                </a:solidFill>
-              </a:rPr>
-              <a:t>There's nothing worth more that will ever come close</a:t>
-            </a:r>
-          </a:p>
-          <a:p>
-            <a:r>
-              <a:rPr lang="en-GB" sz="4600" dirty="0">
-                <a:solidFill>
-                  <a:schemeClr val="bg1"/>
-                </a:solidFill>
-              </a:rPr>
-              <a:t>No thing can compare You're our living hope</a:t>
-            </a:r>
-          </a:p>
-          <a:p>
-            <a:r>
-              <a:rPr lang="en-GB" sz="4600" dirty="0">
-                <a:solidFill>
-                  <a:schemeClr val="bg1"/>
-                </a:solidFill>
-              </a:rPr>
-              <a:t>Your Presence</a:t>
+              <a:rPr lang="en-GB" sz="4800" dirty="0">
+                <a:solidFill>
+                  <a:schemeClr val="bg1"/>
+                </a:solidFill>
+              </a:rPr>
+              <a:t>Alleluia </a:t>
+            </a:r>
+            <a:r>
+              <a:rPr lang="en-GB" sz="4800" dirty="0" err="1">
+                <a:solidFill>
+                  <a:schemeClr val="bg1"/>
+                </a:solidFill>
+              </a:rPr>
+              <a:t>alleluia</a:t>
+            </a:r>
+            <a:endParaRPr lang="en-GB" sz="4800" dirty="0">
+              <a:solidFill>
+                <a:schemeClr val="bg1"/>
+              </a:solidFill>
+            </a:endParaRPr>
+          </a:p>
+          <a:p>
+            <a:r>
+              <a:rPr lang="en-GB" sz="4800" dirty="0">
+                <a:solidFill>
+                  <a:schemeClr val="bg1"/>
+                </a:solidFill>
+              </a:rPr>
+              <a:t>For the Lord God Almighty reigns</a:t>
+            </a:r>
+          </a:p>
+          <a:p>
+            <a:r>
+              <a:rPr lang="en-GB" sz="4800" dirty="0">
+                <a:solidFill>
+                  <a:schemeClr val="bg1"/>
+                </a:solidFill>
+              </a:rPr>
+              <a:t>Alleluia </a:t>
+            </a:r>
+            <a:r>
+              <a:rPr lang="en-GB" sz="4800" dirty="0" err="1">
+                <a:solidFill>
+                  <a:schemeClr val="bg1"/>
+                </a:solidFill>
+              </a:rPr>
+              <a:t>alleluia</a:t>
+            </a:r>
+            <a:endParaRPr lang="en-GB" sz="4800" dirty="0">
+              <a:solidFill>
+                <a:schemeClr val="bg1"/>
+              </a:solidFill>
+            </a:endParaRPr>
+          </a:p>
+          <a:p>
+            <a:r>
+              <a:rPr lang="en-GB" sz="4800" dirty="0">
+                <a:solidFill>
+                  <a:schemeClr val="bg1"/>
+                </a:solidFill>
+              </a:rPr>
+              <a:t>For the Lord God Almighty reigns</a:t>
+            </a:r>
+          </a:p>
+          <a:p>
+            <a:r>
+              <a:rPr lang="en-GB" sz="4800" dirty="0">
+                <a:solidFill>
+                  <a:schemeClr val="bg1"/>
+                </a:solidFill>
+              </a:rPr>
+              <a:t>Alleluia</a:t>
             </a:r>
           </a:p>
         </p:txBody>
@@ -5534,7 +5485,7 @@
                   <a:schemeClr val="bg1"/>
                 </a:solidFill>
               </a:rPr>
-              <a:t>1/4</a:t>
+              <a:t>1/2</a:t>
             </a:r>
           </a:p>
         </p:txBody>
@@ -5542,7 +5493,7 @@
     </p:spTree>
     <p:extLst>
       <p:ext uri="{BB962C8B-B14F-4D97-AF65-F5344CB8AC3E}">
-        <p14:creationId xmlns:p14="http://schemas.microsoft.com/office/powerpoint/2010/main" val="348632634"/>
+        <p14:creationId xmlns:p14="http://schemas.microsoft.com/office/powerpoint/2010/main" val="2268767841"/>
       </p:ext>
     </p:extLst>
   </p:cSld>
@@ -5592,32 +5543,118 @@
           <a:lstStyle/>
           <a:p>
             <a:r>
-              <a:rPr lang="en-GB" sz="4800" dirty="0">
-                <a:solidFill>
-                  <a:schemeClr val="bg1"/>
-                </a:solidFill>
-              </a:rPr>
-              <a:t>I've tasted and seen of the sweetest of loves</a:t>
-            </a:r>
-          </a:p>
-          <a:p>
-            <a:r>
-              <a:rPr lang="en-GB" sz="4800" dirty="0">
-                <a:solidFill>
-                  <a:schemeClr val="bg1"/>
-                </a:solidFill>
-              </a:rPr>
-              <a:t>Where my heart becomes free and my shame is undone</a:t>
-            </a:r>
-          </a:p>
-          <a:p>
-            <a:r>
-              <a:rPr lang="en-GB" sz="4800" dirty="0">
-                <a:solidFill>
-                  <a:schemeClr val="bg1"/>
-                </a:solidFill>
-              </a:rPr>
-              <a:t>In Your Presence Lord</a:t>
+              <a:rPr lang="en-GB" sz="4000" dirty="0">
+                <a:solidFill>
+                  <a:schemeClr val="bg1"/>
+                </a:solidFill>
+              </a:rPr>
+              <a:t>(You are) Holy </a:t>
+            </a:r>
+            <a:r>
+              <a:rPr lang="en-GB" sz="4000" dirty="0" err="1">
+                <a:solidFill>
+                  <a:schemeClr val="bg1"/>
+                </a:solidFill>
+              </a:rPr>
+              <a:t>holy</a:t>
+            </a:r>
+            <a:endParaRPr lang="en-GB" sz="4000" dirty="0">
+              <a:solidFill>
+                <a:schemeClr val="bg1"/>
+              </a:solidFill>
+            </a:endParaRPr>
+          </a:p>
+          <a:p>
+            <a:r>
+              <a:rPr lang="en-GB" sz="4000" dirty="0">
+                <a:solidFill>
+                  <a:schemeClr val="bg1"/>
+                </a:solidFill>
+              </a:rPr>
+              <a:t>Are You Lord God Almighty</a:t>
+            </a:r>
+          </a:p>
+          <a:p>
+            <a:r>
+              <a:rPr lang="en-GB" sz="4000" dirty="0">
+                <a:solidFill>
+                  <a:schemeClr val="bg1"/>
+                </a:solidFill>
+              </a:rPr>
+              <a:t>Worthy is the Lamb</a:t>
+            </a:r>
+          </a:p>
+          <a:p>
+            <a:r>
+              <a:rPr lang="en-GB" sz="4000" dirty="0">
+                <a:solidFill>
+                  <a:schemeClr val="bg1"/>
+                </a:solidFill>
+              </a:rPr>
+              <a:t>Worthy is the Lamb</a:t>
+            </a:r>
+          </a:p>
+          <a:p>
+            <a:r>
+              <a:rPr lang="en-GB" sz="4000" dirty="0">
+                <a:solidFill>
+                  <a:schemeClr val="bg1"/>
+                </a:solidFill>
+              </a:rPr>
+              <a:t>You are holy </a:t>
+            </a:r>
+            <a:r>
+              <a:rPr lang="en-GB" sz="4000" dirty="0" err="1">
+                <a:solidFill>
+                  <a:schemeClr val="bg1"/>
+                </a:solidFill>
+              </a:rPr>
+              <a:t>holy</a:t>
+            </a:r>
+            <a:endParaRPr lang="en-GB" sz="4000" dirty="0">
+              <a:solidFill>
+                <a:schemeClr val="bg1"/>
+              </a:solidFill>
+            </a:endParaRPr>
+          </a:p>
+          <a:p>
+            <a:r>
+              <a:rPr lang="en-GB" sz="4000" dirty="0">
+                <a:solidFill>
+                  <a:schemeClr val="bg1"/>
+                </a:solidFill>
+              </a:rPr>
+              <a:t>Are You Lord God Almighty</a:t>
+            </a:r>
+          </a:p>
+          <a:p>
+            <a:r>
+              <a:rPr lang="en-GB" sz="4000" dirty="0">
+                <a:solidFill>
+                  <a:schemeClr val="bg1"/>
+                </a:solidFill>
+              </a:rPr>
+              <a:t>Worthy is the Lamb</a:t>
+            </a:r>
+          </a:p>
+          <a:p>
+            <a:r>
+              <a:rPr lang="en-GB" sz="4000" dirty="0">
+                <a:solidFill>
+                  <a:schemeClr val="bg1"/>
+                </a:solidFill>
+              </a:rPr>
+              <a:t>Worthy is the Lamb</a:t>
+            </a:r>
+          </a:p>
+          <a:p>
+            <a:r>
+              <a:rPr lang="en-GB" sz="4000" dirty="0">
+                <a:solidFill>
+                  <a:schemeClr val="bg1"/>
+                </a:solidFill>
+              </a:rPr>
+              <a:t>Amen</a:t>
             </a:r>
           </a:p>
         </p:txBody>
@@ -5650,7 +5687,7 @@
                   <a:schemeClr val="bg1"/>
                 </a:solidFill>
               </a:rPr>
-              <a:t>2/4</a:t>
+              <a:t>2/2</a:t>
             </a:r>
           </a:p>
         </p:txBody>
@@ -5658,7 +5695,7 @@
     </p:spTree>
     <p:extLst>
       <p:ext uri="{BB962C8B-B14F-4D97-AF65-F5344CB8AC3E}">
-        <p14:creationId xmlns:p14="http://schemas.microsoft.com/office/powerpoint/2010/main" val="424017956"/>
+        <p14:creationId xmlns:p14="http://schemas.microsoft.com/office/powerpoint/2010/main" val="1680699641"/>
       </p:ext>
     </p:extLst>
   </p:cSld>
@@ -5707,76 +5744,178 @@
           </a:bodyPr>
           <a:lstStyle/>
           <a:p>
-            <a:r>
-              <a:rPr lang="en-GB" sz="4800" dirty="0">
-                <a:solidFill>
-                  <a:schemeClr val="bg1"/>
-                </a:solidFill>
-              </a:rPr>
-              <a:t>Holy Spirit You are welcome here</a:t>
-            </a:r>
-          </a:p>
-          <a:p>
-            <a:r>
-              <a:rPr lang="en-GB" sz="4800" dirty="0">
-                <a:solidFill>
-                  <a:schemeClr val="bg1"/>
-                </a:solidFill>
-              </a:rPr>
-              <a:t>Come flood this place and fill the atmosphere</a:t>
-            </a:r>
-          </a:p>
-          <a:p>
-            <a:r>
-              <a:rPr lang="en-GB" sz="4800" dirty="0">
-                <a:solidFill>
-                  <a:schemeClr val="bg1"/>
-                </a:solidFill>
-              </a:rPr>
-              <a:t>Your glory God is what our hearts long for</a:t>
-            </a:r>
-          </a:p>
-          <a:p>
-            <a:r>
-              <a:rPr lang="en-GB" sz="4800" dirty="0">
-                <a:solidFill>
-                  <a:schemeClr val="bg1"/>
-                </a:solidFill>
-              </a:rPr>
-              <a:t>To be overcome by Your Presence Lord</a:t>
-            </a:r>
-          </a:p>
-        </p:txBody>
-      </p:sp>
-      <p:sp>
-        <p:nvSpPr>
-          <p:cNvPr id="4" name="TextBox 3"/>
-          <p:cNvSpPr txBox="1"/>
-          <p:nvPr/>
-        </p:nvSpPr>
-        <p:spPr>
-          <a:xfrm>
-            <a:off x="8529729" y="0"/>
-            <a:ext cx="628698" cy="461665"/>
-          </a:xfrm>
-          <a:prstGeom prst="rect">
-            <a:avLst/>
-          </a:prstGeom>
-          <a:noFill/>
-        </p:spPr>
-        <p:txBody>
-          <a:bodyPr wrap="none" rtlCol="0">
-            <a:spAutoFit/>
-          </a:bodyPr>
-          <a:lstStyle/>
-          <a:p>
-            <a:r>
-              <a:rPr lang="en-GB" sz="2400" b="1" dirty="0">
-                <a:solidFill>
-                  <a:schemeClr val="bg1"/>
-                </a:solidFill>
-              </a:rPr>
-              <a:t>3/4</a:t>
+            <a:endParaRPr lang="en-GB" sz="6600" dirty="0">
+              <a:solidFill>
+                <a:srgbClr val="00A3E0"/>
+              </a:solidFill>
+              <a:latin typeface="akagi_probook"/>
+            </a:endParaRPr>
+          </a:p>
+          <a:p>
+            <a:r>
+              <a:rPr lang="en-GB" sz="6600" dirty="0">
+                <a:solidFill>
+                  <a:srgbClr val="00A3E0"/>
+                </a:solidFill>
+                <a:latin typeface="akagi_probook"/>
+              </a:rPr>
+              <a:t>Worthy Of it All</a:t>
+            </a:r>
+          </a:p>
+          <a:p>
+            <a:endParaRPr lang="en-GB" sz="1200" dirty="0">
+              <a:solidFill>
+                <a:schemeClr val="bg1"/>
+              </a:solidFill>
+            </a:endParaRPr>
+          </a:p>
+          <a:p>
+            <a:r>
+              <a:rPr lang="en-GB" sz="1200" dirty="0">
+                <a:solidFill>
+                  <a:schemeClr val="bg1"/>
+                </a:solidFill>
+              </a:rPr>
+              <a:t>CCLI Song # 6280644</a:t>
+            </a:r>
+          </a:p>
+          <a:p>
+            <a:endParaRPr lang="en-GB" sz="1200" dirty="0">
+              <a:solidFill>
+                <a:schemeClr val="bg1"/>
+              </a:solidFill>
+            </a:endParaRPr>
+          </a:p>
+          <a:p>
+            <a:r>
+              <a:rPr lang="en-GB" sz="1200" dirty="0">
+                <a:solidFill>
+                  <a:schemeClr val="bg1"/>
+                </a:solidFill>
+              </a:rPr>
+              <a:t>David </a:t>
+            </a:r>
+            <a:r>
+              <a:rPr lang="en-GB" sz="1200" dirty="0" err="1">
+                <a:solidFill>
+                  <a:schemeClr val="bg1"/>
+                </a:solidFill>
+              </a:rPr>
+              <a:t>Brymer</a:t>
+            </a:r>
+            <a:r>
+              <a:rPr lang="en-GB" sz="1200" dirty="0">
+                <a:solidFill>
+                  <a:schemeClr val="bg1"/>
+                </a:solidFill>
+              </a:rPr>
+              <a:t> | Ryan Hall</a:t>
+            </a:r>
+          </a:p>
+          <a:p>
+            <a:endParaRPr lang="en-GB" sz="1200" dirty="0">
+              <a:solidFill>
+                <a:schemeClr val="bg1"/>
+              </a:solidFill>
+            </a:endParaRPr>
+          </a:p>
+          <a:p>
+            <a:r>
+              <a:rPr lang="en-GB" sz="1200" dirty="0">
+                <a:solidFill>
+                  <a:schemeClr val="bg1"/>
+                </a:solidFill>
+              </a:rPr>
+              <a:t>© 2012 Common Hymnal Publishing (Admin. by Integrity Music Ltd)</a:t>
+            </a:r>
+          </a:p>
+          <a:p>
+            <a:r>
+              <a:rPr lang="en-GB" sz="1200" dirty="0" err="1">
+                <a:solidFill>
+                  <a:schemeClr val="bg1"/>
+                </a:solidFill>
+              </a:rPr>
+              <a:t>Innerland</a:t>
+            </a:r>
+            <a:r>
+              <a:rPr lang="en-GB" sz="1200" dirty="0">
+                <a:solidFill>
+                  <a:schemeClr val="bg1"/>
+                </a:solidFill>
+              </a:rPr>
+              <a:t> (Admin. by Integrity Music Ltd)</a:t>
+            </a:r>
+          </a:p>
+          <a:p>
+            <a:r>
+              <a:rPr lang="en-GB" sz="1200" dirty="0">
+                <a:solidFill>
+                  <a:schemeClr val="bg1"/>
+                </a:solidFill>
+              </a:rPr>
+              <a:t>Underground Treasure (Admin. by Integrity Music Ltd)</a:t>
+            </a:r>
+          </a:p>
+          <a:p>
+            <a:r>
+              <a:rPr lang="en-GB" sz="1200" dirty="0" err="1">
+                <a:solidFill>
+                  <a:schemeClr val="bg1"/>
+                </a:solidFill>
+              </a:rPr>
+              <a:t>Wayfinder</a:t>
+            </a:r>
+            <a:r>
+              <a:rPr lang="en-GB" sz="1200" dirty="0">
+                <a:solidFill>
+                  <a:schemeClr val="bg1"/>
+                </a:solidFill>
+              </a:rPr>
+              <a:t> Music (Admin. by Integrity Music Ltd)</a:t>
+            </a:r>
+          </a:p>
+          <a:p>
+            <a:r>
+              <a:rPr lang="en-GB" sz="1200" dirty="0">
+                <a:solidFill>
+                  <a:schemeClr val="bg1"/>
+                </a:solidFill>
+              </a:rPr>
+              <a:t>For use solely with the </a:t>
+            </a:r>
+            <a:r>
+              <a:rPr lang="en-GB" sz="1200" dirty="0" err="1">
+                <a:solidFill>
+                  <a:schemeClr val="bg1"/>
+                </a:solidFill>
+              </a:rPr>
+              <a:t>SongSelect</a:t>
+            </a:r>
+            <a:r>
+              <a:rPr lang="en-GB" sz="1200" dirty="0">
+                <a:solidFill>
+                  <a:schemeClr val="bg1"/>
+                </a:solidFill>
+              </a:rPr>
+              <a:t>® Terms of Use. All rights reserved. www.ccli.com</a:t>
+            </a:r>
+          </a:p>
+          <a:p>
+            <a:endParaRPr lang="en-GB" sz="1200" dirty="0">
+              <a:solidFill>
+                <a:schemeClr val="bg1"/>
+              </a:solidFill>
+            </a:endParaRPr>
+          </a:p>
+          <a:p>
+            <a:r>
+              <a:rPr lang="en-GB" sz="1200" dirty="0">
+                <a:solidFill>
+                  <a:schemeClr val="bg1"/>
+                </a:solidFill>
+              </a:rPr>
+              <a:t>CCLI Licence No. 33265</a:t>
             </a:r>
           </a:p>
         </p:txBody>
@@ -5784,7 +5923,7 @@
     </p:spTree>
     <p:extLst>
       <p:ext uri="{BB962C8B-B14F-4D97-AF65-F5344CB8AC3E}">
-        <p14:creationId xmlns:p14="http://schemas.microsoft.com/office/powerpoint/2010/main" val="1242897186"/>
+        <p14:creationId xmlns:p14="http://schemas.microsoft.com/office/powerpoint/2010/main" val="361992050"/>
       </p:ext>
     </p:extLst>
   </p:cSld>
@@ -5834,22 +5973,42 @@
           <a:lstStyle/>
           <a:p>
             <a:r>
-              <a:rPr lang="en-GB" sz="4800" dirty="0">
-                <a:solidFill>
-                  <a:schemeClr val="bg1"/>
-                </a:solidFill>
-              </a:rPr>
-              <a:t>Let us become more aware of Your Presence</a:t>
-            </a:r>
-          </a:p>
-          <a:p>
-            <a:r>
-              <a:rPr lang="en-GB" sz="4800" dirty="0">
-                <a:solidFill>
-                  <a:schemeClr val="bg1"/>
-                </a:solidFill>
-              </a:rPr>
-              <a:t>Let us experience the glory of Your goodness (Lord)</a:t>
+              <a:rPr lang="en-GB" sz="5400" dirty="0">
+                <a:solidFill>
+                  <a:schemeClr val="bg1"/>
+                </a:solidFill>
+              </a:rPr>
+              <a:t>All the saints and angels</a:t>
+            </a:r>
+          </a:p>
+          <a:p>
+            <a:r>
+              <a:rPr lang="en-GB" sz="5400" dirty="0">
+                <a:solidFill>
+                  <a:schemeClr val="bg1"/>
+                </a:solidFill>
+              </a:rPr>
+              <a:t>Bow before Your throne</a:t>
+            </a:r>
+          </a:p>
+          <a:p>
+            <a:r>
+              <a:rPr lang="en-GB" sz="5400" dirty="0">
+                <a:solidFill>
+                  <a:schemeClr val="bg1"/>
+                </a:solidFill>
+              </a:rPr>
+              <a:t>All the elders cast their crowns</a:t>
+            </a:r>
+          </a:p>
+          <a:p>
+            <a:r>
+              <a:rPr lang="en-GB" sz="5400" dirty="0">
+                <a:solidFill>
+                  <a:schemeClr val="bg1"/>
+                </a:solidFill>
+              </a:rPr>
+              <a:t>Before the Lamb of God and sing</a:t>
             </a:r>
           </a:p>
         </p:txBody>
@@ -5882,7 +6041,7 @@
                   <a:schemeClr val="bg1"/>
                 </a:solidFill>
               </a:rPr>
-              <a:t>4/4</a:t>
+              <a:t>1/3</a:t>
             </a:r>
           </a:p>
         </p:txBody>
@@ -5890,7 +6049,7 @@
     </p:spTree>
     <p:extLst>
       <p:ext uri="{BB962C8B-B14F-4D97-AF65-F5344CB8AC3E}">
-        <p14:creationId xmlns:p14="http://schemas.microsoft.com/office/powerpoint/2010/main" val="1800615007"/>
+        <p14:creationId xmlns:p14="http://schemas.microsoft.com/office/powerpoint/2010/main" val="4092947060"/>
       </p:ext>
     </p:extLst>
   </p:cSld>
@@ -5939,178 +6098,86 @@
           </a:bodyPr>
           <a:lstStyle/>
           <a:p>
-            <a:endParaRPr lang="en-GB" sz="6600" dirty="0">
-              <a:solidFill>
-                <a:srgbClr val="00A3E0"/>
-              </a:solidFill>
-              <a:latin typeface="akagi_probook"/>
-            </a:endParaRPr>
-          </a:p>
-          <a:p>
-            <a:r>
-              <a:rPr lang="en-GB" sz="6600" dirty="0">
-                <a:solidFill>
-                  <a:srgbClr val="00A3E0"/>
-                </a:solidFill>
-                <a:latin typeface="akagi_probook"/>
-              </a:rPr>
-              <a:t>Worthy Of it All</a:t>
-            </a:r>
-          </a:p>
-          <a:p>
-            <a:endParaRPr lang="en-GB" sz="1200" dirty="0">
-              <a:solidFill>
-                <a:schemeClr val="bg1"/>
-              </a:solidFill>
-            </a:endParaRPr>
-          </a:p>
-          <a:p>
-            <a:r>
-              <a:rPr lang="en-GB" sz="1200" dirty="0">
-                <a:solidFill>
-                  <a:schemeClr val="bg1"/>
-                </a:solidFill>
-              </a:rPr>
-              <a:t>CCLI Song # 6280644</a:t>
-            </a:r>
-          </a:p>
-          <a:p>
-            <a:endParaRPr lang="en-GB" sz="1200" dirty="0">
-              <a:solidFill>
-                <a:schemeClr val="bg1"/>
-              </a:solidFill>
-            </a:endParaRPr>
-          </a:p>
-          <a:p>
-            <a:r>
-              <a:rPr lang="en-GB" sz="1200" dirty="0">
-                <a:solidFill>
-                  <a:schemeClr val="bg1"/>
-                </a:solidFill>
-              </a:rPr>
-              <a:t>David </a:t>
-            </a:r>
-            <a:r>
-              <a:rPr lang="en-GB" sz="1200" dirty="0" err="1">
-                <a:solidFill>
-                  <a:schemeClr val="bg1"/>
-                </a:solidFill>
-              </a:rPr>
-              <a:t>Brymer</a:t>
-            </a:r>
-            <a:r>
-              <a:rPr lang="en-GB" sz="1200" dirty="0">
-                <a:solidFill>
-                  <a:schemeClr val="bg1"/>
-                </a:solidFill>
-              </a:rPr>
-              <a:t> | Ryan Hall</a:t>
-            </a:r>
-          </a:p>
-          <a:p>
-            <a:endParaRPr lang="en-GB" sz="1200" dirty="0">
-              <a:solidFill>
-                <a:schemeClr val="bg1"/>
-              </a:solidFill>
-            </a:endParaRPr>
-          </a:p>
-          <a:p>
-            <a:r>
-              <a:rPr lang="en-GB" sz="1200" dirty="0">
-                <a:solidFill>
-                  <a:schemeClr val="bg1"/>
-                </a:solidFill>
-              </a:rPr>
-              <a:t>© 2012 Common Hymnal Publishing (Admin. by Integrity Music Ltd)</a:t>
-            </a:r>
-          </a:p>
-          <a:p>
-            <a:r>
-              <a:rPr lang="en-GB" sz="1200" dirty="0" err="1">
-                <a:solidFill>
-                  <a:schemeClr val="bg1"/>
-                </a:solidFill>
-              </a:rPr>
-              <a:t>Innerland</a:t>
-            </a:r>
-            <a:r>
-              <a:rPr lang="en-GB" sz="1200" dirty="0">
-                <a:solidFill>
-                  <a:schemeClr val="bg1"/>
-                </a:solidFill>
-              </a:rPr>
-              <a:t> (Admin. by Integrity Music Ltd)</a:t>
-            </a:r>
-          </a:p>
-          <a:p>
-            <a:r>
-              <a:rPr lang="en-GB" sz="1200" dirty="0">
-                <a:solidFill>
-                  <a:schemeClr val="bg1"/>
-                </a:solidFill>
-              </a:rPr>
-              <a:t>Underground Treasure (Admin. by Integrity Music Ltd)</a:t>
-            </a:r>
-          </a:p>
-          <a:p>
-            <a:r>
-              <a:rPr lang="en-GB" sz="1200" dirty="0" err="1">
-                <a:solidFill>
-                  <a:schemeClr val="bg1"/>
-                </a:solidFill>
-              </a:rPr>
-              <a:t>Wayfinder</a:t>
-            </a:r>
-            <a:r>
-              <a:rPr lang="en-GB" sz="1200" dirty="0">
-                <a:solidFill>
-                  <a:schemeClr val="bg1"/>
-                </a:solidFill>
-              </a:rPr>
-              <a:t> Music (Admin. by Integrity Music Ltd)</a:t>
-            </a:r>
-          </a:p>
-          <a:p>
-            <a:r>
-              <a:rPr lang="en-GB" sz="1200" dirty="0">
-                <a:solidFill>
-                  <a:schemeClr val="bg1"/>
-                </a:solidFill>
-              </a:rPr>
-              <a:t>For use solely with the </a:t>
-            </a:r>
-            <a:r>
-              <a:rPr lang="en-GB" sz="1200" dirty="0" err="1">
-                <a:solidFill>
-                  <a:schemeClr val="bg1"/>
-                </a:solidFill>
-              </a:rPr>
-              <a:t>SongSelect</a:t>
-            </a:r>
-            <a:r>
-              <a:rPr lang="en-GB" sz="1200" dirty="0">
-                <a:solidFill>
-                  <a:schemeClr val="bg1"/>
-                </a:solidFill>
-              </a:rPr>
-              <a:t>® Terms of Use. All rights reserved. www.ccli.com</a:t>
-            </a:r>
-          </a:p>
-          <a:p>
-            <a:endParaRPr lang="en-GB" sz="1200" dirty="0">
-              <a:solidFill>
-                <a:schemeClr val="bg1"/>
-              </a:solidFill>
-            </a:endParaRPr>
-          </a:p>
-          <a:p>
-            <a:r>
-              <a:rPr lang="en-GB" sz="1200" dirty="0">
-                <a:solidFill>
-                  <a:schemeClr val="bg1"/>
-                </a:solidFill>
-              </a:rPr>
-              <a:t>CCLI Licence No. 33265</a:t>
+            <a:r>
+              <a:rPr lang="en-GB" sz="5400" dirty="0">
+                <a:solidFill>
+                  <a:schemeClr val="bg1"/>
+                </a:solidFill>
+              </a:rPr>
+              <a:t>You are worthy of it all</a:t>
+            </a:r>
+          </a:p>
+          <a:p>
+            <a:r>
+              <a:rPr lang="en-GB" sz="5400" dirty="0">
+                <a:solidFill>
+                  <a:schemeClr val="bg1"/>
+                </a:solidFill>
+              </a:rPr>
+              <a:t>You are worthy of it all</a:t>
+            </a:r>
+          </a:p>
+          <a:p>
+            <a:r>
+              <a:rPr lang="en-GB" sz="5400" dirty="0">
+                <a:solidFill>
+                  <a:schemeClr val="bg1"/>
+                </a:solidFill>
+              </a:rPr>
+              <a:t>For from You are all things</a:t>
+            </a:r>
+          </a:p>
+          <a:p>
+            <a:r>
+              <a:rPr lang="en-GB" sz="5400" dirty="0">
+                <a:solidFill>
+                  <a:schemeClr val="bg1"/>
+                </a:solidFill>
+              </a:rPr>
+              <a:t>And to You are all things</a:t>
+            </a:r>
+          </a:p>
+          <a:p>
+            <a:r>
+              <a:rPr lang="en-GB" sz="5400" dirty="0">
+                <a:solidFill>
+                  <a:schemeClr val="bg1"/>
+                </a:solidFill>
+              </a:rPr>
+              <a:t>You deserve the glory</a:t>
+            </a:r>
+          </a:p>
+        </p:txBody>
+      </p:sp>
+      <p:sp>
+        <p:nvSpPr>
+          <p:cNvPr id="4" name="TextBox 3"/>
+          <p:cNvSpPr txBox="1"/>
+          <p:nvPr/>
+        </p:nvSpPr>
+        <p:spPr>
+          <a:xfrm>
+            <a:off x="8529729" y="0"/>
+            <a:ext cx="628698" cy="461665"/>
+          </a:xfrm>
+          <a:prstGeom prst="rect">
+            <a:avLst/>
+          </a:prstGeom>
+          <a:noFill/>
+        </p:spPr>
+        <p:txBody>
+          <a:bodyPr wrap="none" rtlCol="0">
+            <a:spAutoFit/>
+          </a:bodyPr>
+          <a:lstStyle/>
+          <a:p>
+            <a:r>
+              <a:rPr lang="en-GB" sz="2400" b="1" dirty="0">
+                <a:solidFill>
+                  <a:schemeClr val="bg1"/>
+                </a:solidFill>
+              </a:rPr>
+              <a:t>2/3</a:t>
             </a:r>
           </a:p>
         </p:txBody>
@@ -6118,7 +6185,7 @@
     </p:spTree>
     <p:extLst>
       <p:ext uri="{BB962C8B-B14F-4D97-AF65-F5344CB8AC3E}">
-        <p14:creationId xmlns:p14="http://schemas.microsoft.com/office/powerpoint/2010/main" val="361992050"/>
+        <p14:creationId xmlns:p14="http://schemas.microsoft.com/office/powerpoint/2010/main" val="4188872441"/>
       </p:ext>
     </p:extLst>
   </p:cSld>
@@ -6168,42 +6235,69 @@
           <a:lstStyle/>
           <a:p>
             <a:r>
-              <a:rPr lang="en-GB" sz="5400" dirty="0">
-                <a:solidFill>
-                  <a:schemeClr val="bg1"/>
-                </a:solidFill>
-              </a:rPr>
-              <a:t>All the saints and angels</a:t>
-            </a:r>
-          </a:p>
-          <a:p>
-            <a:r>
-              <a:rPr lang="en-GB" sz="5400" dirty="0">
-                <a:solidFill>
-                  <a:schemeClr val="bg1"/>
-                </a:solidFill>
-              </a:rPr>
-              <a:t>Bow before Your throne</a:t>
-            </a:r>
-          </a:p>
-          <a:p>
-            <a:r>
-              <a:rPr lang="en-GB" sz="5400" dirty="0">
-                <a:solidFill>
-                  <a:schemeClr val="bg1"/>
-                </a:solidFill>
-              </a:rPr>
-              <a:t>All the elders cast their crowns</a:t>
-            </a:r>
-          </a:p>
-          <a:p>
-            <a:r>
-              <a:rPr lang="en-GB" sz="5400" dirty="0">
-                <a:solidFill>
-                  <a:schemeClr val="bg1"/>
-                </a:solidFill>
-              </a:rPr>
-              <a:t>Before the Lamb of God and sing</a:t>
+              <a:rPr lang="en-GB" sz="5000" dirty="0">
+                <a:solidFill>
+                  <a:schemeClr val="bg1"/>
+                </a:solidFill>
+              </a:rPr>
+              <a:t>Day and night, </a:t>
+            </a:r>
+          </a:p>
+          <a:p>
+            <a:r>
+              <a:rPr lang="en-GB" sz="5000" dirty="0">
+                <a:solidFill>
+                  <a:schemeClr val="bg1"/>
+                </a:solidFill>
+              </a:rPr>
+              <a:t>Night and day, </a:t>
+            </a:r>
+          </a:p>
+          <a:p>
+            <a:r>
+              <a:rPr lang="en-GB" sz="5000" dirty="0">
+                <a:solidFill>
+                  <a:schemeClr val="bg1"/>
+                </a:solidFill>
+              </a:rPr>
+              <a:t>Let incense arise</a:t>
+            </a:r>
+          </a:p>
+          <a:p>
+            <a:r>
+              <a:rPr lang="en-GB" sz="5000" dirty="0">
+                <a:solidFill>
+                  <a:schemeClr val="bg1"/>
+                </a:solidFill>
+              </a:rPr>
+              <a:t>(X4)</a:t>
+            </a:r>
+          </a:p>
+          <a:p>
+            <a:endParaRPr lang="en-GB" sz="5000" dirty="0">
+              <a:solidFill>
+                <a:schemeClr val="bg1"/>
+              </a:solidFill>
+            </a:endParaRPr>
+          </a:p>
+          <a:p>
+            <a:r>
+              <a:rPr lang="en-GB" sz="5000" dirty="0">
+                <a:solidFill>
+                  <a:schemeClr val="bg1"/>
+                </a:solidFill>
+              </a:rPr>
+              <a:t>Day and night </a:t>
+            </a:r>
+          </a:p>
+          <a:p>
+            <a:r>
+              <a:rPr lang="en-GB" sz="5000" dirty="0">
+                <a:solidFill>
+                  <a:schemeClr val="bg1"/>
+                </a:solidFill>
+              </a:rPr>
+              <a:t>Night and day</a:t>
             </a:r>
           </a:p>
         </p:txBody>
@@ -6236,7 +6330,7 @@
                   <a:schemeClr val="bg1"/>
                 </a:solidFill>
               </a:rPr>
-              <a:t>1/3</a:t>
+              <a:t>3/3</a:t>
             </a:r>
           </a:p>
         </p:txBody>
@@ -6244,7 +6338,7 @@
     </p:spTree>
     <p:extLst>
       <p:ext uri="{BB962C8B-B14F-4D97-AF65-F5344CB8AC3E}">
-        <p14:creationId xmlns:p14="http://schemas.microsoft.com/office/powerpoint/2010/main" val="4092947060"/>
+        <p14:creationId xmlns:p14="http://schemas.microsoft.com/office/powerpoint/2010/main" val="1538111676"/>
       </p:ext>
     </p:extLst>
   </p:cSld>
@@ -6293,94 +6387,176 @@
           </a:bodyPr>
           <a:lstStyle/>
           <a:p>
-            <a:r>
-              <a:rPr lang="en-GB" sz="5400" dirty="0">
-                <a:solidFill>
-                  <a:schemeClr val="bg1"/>
-                </a:solidFill>
-              </a:rPr>
-              <a:t>You are worthy of it all</a:t>
-            </a:r>
-          </a:p>
-          <a:p>
-            <a:r>
-              <a:rPr lang="en-GB" sz="5400" dirty="0">
-                <a:solidFill>
-                  <a:schemeClr val="bg1"/>
-                </a:solidFill>
-              </a:rPr>
-              <a:t>You are worthy of it all</a:t>
-            </a:r>
-          </a:p>
-          <a:p>
-            <a:r>
-              <a:rPr lang="en-GB" sz="5400" dirty="0">
-                <a:solidFill>
-                  <a:schemeClr val="bg1"/>
-                </a:solidFill>
-              </a:rPr>
-              <a:t>For from You are all things</a:t>
-            </a:r>
-          </a:p>
-          <a:p>
-            <a:r>
-              <a:rPr lang="en-GB" sz="5400" dirty="0">
-                <a:solidFill>
-                  <a:schemeClr val="bg1"/>
-                </a:solidFill>
-              </a:rPr>
-              <a:t>And to You are all things</a:t>
-            </a:r>
-          </a:p>
-          <a:p>
-            <a:r>
-              <a:rPr lang="en-GB" sz="5400" dirty="0">
-                <a:solidFill>
-                  <a:schemeClr val="bg1"/>
-                </a:solidFill>
-              </a:rPr>
-              <a:t>You deserve the glory</a:t>
-            </a:r>
-          </a:p>
-        </p:txBody>
-      </p:sp>
-      <p:sp>
-        <p:nvSpPr>
-          <p:cNvPr id="4" name="TextBox 3"/>
-          <p:cNvSpPr txBox="1"/>
-          <p:nvPr/>
-        </p:nvSpPr>
-        <p:spPr>
-          <a:xfrm>
-            <a:off x="8529729" y="0"/>
-            <a:ext cx="628698" cy="461665"/>
-          </a:xfrm>
-          <a:prstGeom prst="rect">
-            <a:avLst/>
-          </a:prstGeom>
-          <a:noFill/>
-        </p:spPr>
-        <p:txBody>
-          <a:bodyPr wrap="none" rtlCol="0">
-            <a:spAutoFit/>
-          </a:bodyPr>
-          <a:lstStyle/>
-          <a:p>
-            <a:r>
-              <a:rPr lang="en-GB" sz="2400" b="1" dirty="0">
-                <a:solidFill>
-                  <a:schemeClr val="bg1"/>
-                </a:solidFill>
-              </a:rPr>
-              <a:t>2/3</a:t>
-            </a:r>
+            <a:endParaRPr lang="en-GB" sz="5400" dirty="0">
+              <a:solidFill>
+                <a:schemeClr val="bg1"/>
+              </a:solidFill>
+            </a:endParaRPr>
+          </a:p>
+          <a:p>
+            <a:r>
+              <a:rPr lang="en-GB" sz="6600" dirty="0">
+                <a:solidFill>
+                  <a:srgbClr val="00A3E0"/>
+                </a:solidFill>
+                <a:latin typeface="akagi_probook"/>
+              </a:rPr>
+              <a:t>Holy Spirit</a:t>
+            </a:r>
+          </a:p>
+          <a:p>
+            <a:endParaRPr lang="en-GB" sz="1200" dirty="0">
+              <a:solidFill>
+                <a:schemeClr val="bg1"/>
+              </a:solidFill>
+            </a:endParaRPr>
+          </a:p>
+          <a:p>
+            <a:r>
+              <a:rPr lang="en-GB" sz="1200" dirty="0">
+                <a:solidFill>
+                  <a:schemeClr val="bg1"/>
+                </a:solidFill>
+              </a:rPr>
+              <a:t>CCLI Song # 6087919</a:t>
+            </a:r>
+          </a:p>
+          <a:p>
+            <a:endParaRPr lang="en-GB" sz="1200" dirty="0">
+              <a:solidFill>
+                <a:schemeClr val="bg1"/>
+              </a:solidFill>
+            </a:endParaRPr>
+          </a:p>
+          <a:p>
+            <a:r>
+              <a:rPr lang="en-GB" sz="1200" dirty="0">
+                <a:solidFill>
+                  <a:schemeClr val="bg1"/>
+                </a:solidFill>
+              </a:rPr>
+              <a:t>Bryan </a:t>
+            </a:r>
+            <a:r>
+              <a:rPr lang="en-GB" sz="1200" dirty="0" err="1">
+                <a:solidFill>
+                  <a:schemeClr val="bg1"/>
+                </a:solidFill>
+              </a:rPr>
+              <a:t>Torwalt</a:t>
+            </a:r>
+            <a:r>
+              <a:rPr lang="en-GB" sz="1200" dirty="0">
+                <a:solidFill>
+                  <a:schemeClr val="bg1"/>
+                </a:solidFill>
+              </a:rPr>
+              <a:t> | Katie </a:t>
+            </a:r>
+            <a:r>
+              <a:rPr lang="en-GB" sz="1200" dirty="0" err="1">
+                <a:solidFill>
+                  <a:schemeClr val="bg1"/>
+                </a:solidFill>
+              </a:rPr>
+              <a:t>Torwalt</a:t>
+            </a:r>
+            <a:endParaRPr lang="en-GB" sz="1200" dirty="0">
+              <a:solidFill>
+                <a:schemeClr val="bg1"/>
+              </a:solidFill>
+            </a:endParaRPr>
+          </a:p>
+          <a:p>
+            <a:endParaRPr lang="en-GB" sz="1200" dirty="0">
+              <a:solidFill>
+                <a:schemeClr val="bg1"/>
+              </a:solidFill>
+            </a:endParaRPr>
+          </a:p>
+          <a:p>
+            <a:r>
+              <a:rPr lang="en-GB" sz="1200" dirty="0">
+                <a:solidFill>
+                  <a:schemeClr val="bg1"/>
+                </a:solidFill>
+              </a:rPr>
+              <a:t>© 2011 Capitol CMG Genesis (Admin. by Capitol CMG Publishing)</a:t>
+            </a:r>
+          </a:p>
+          <a:p>
+            <a:r>
+              <a:rPr lang="en-GB" sz="1200" dirty="0">
+                <a:solidFill>
+                  <a:schemeClr val="bg1"/>
+                </a:solidFill>
+              </a:rPr>
+              <a:t>Jesus Culture Music (Admin. by Capitol CMG Publishing)</a:t>
+            </a:r>
+          </a:p>
+          <a:p>
+            <a:r>
+              <a:rPr lang="en-GB" sz="1200" dirty="0">
+                <a:solidFill>
+                  <a:schemeClr val="bg1"/>
+                </a:solidFill>
+              </a:rPr>
+              <a:t>For use solely with the </a:t>
+            </a:r>
+            <a:r>
+              <a:rPr lang="en-GB" sz="1200" dirty="0" err="1">
+                <a:solidFill>
+                  <a:schemeClr val="bg1"/>
+                </a:solidFill>
+              </a:rPr>
+              <a:t>SongSelect</a:t>
+            </a:r>
+            <a:r>
+              <a:rPr lang="en-GB" sz="1200" dirty="0">
+                <a:solidFill>
+                  <a:schemeClr val="bg1"/>
+                </a:solidFill>
+              </a:rPr>
+              <a:t>® Terms of Use. All rights reserved. www.ccli.com</a:t>
+            </a:r>
+          </a:p>
+          <a:p>
+            <a:endParaRPr lang="en-GB" sz="1200" dirty="0">
+              <a:solidFill>
+                <a:schemeClr val="bg1"/>
+              </a:solidFill>
+            </a:endParaRPr>
+          </a:p>
+          <a:p>
+            <a:r>
+              <a:rPr lang="en-GB" sz="1200" dirty="0">
+                <a:solidFill>
+                  <a:schemeClr val="bg1"/>
+                </a:solidFill>
+              </a:rPr>
+              <a:t>CCLI Licence No. 33265</a:t>
+            </a:r>
+          </a:p>
+          <a:p>
+            <a:endParaRPr lang="en-GB" sz="1200" dirty="0">
+              <a:solidFill>
+                <a:schemeClr val="bg1"/>
+              </a:solidFill>
+            </a:endParaRPr>
+          </a:p>
+          <a:p>
+            <a:endParaRPr lang="en-GB" sz="1200" dirty="0">
+              <a:solidFill>
+                <a:schemeClr val="bg1"/>
+              </a:solidFill>
+            </a:endParaRPr>
           </a:p>
         </p:txBody>
       </p:sp>
     </p:spTree>
     <p:extLst>
       <p:ext uri="{BB962C8B-B14F-4D97-AF65-F5344CB8AC3E}">
-        <p14:creationId xmlns:p14="http://schemas.microsoft.com/office/powerpoint/2010/main" val="4188872441"/>
+        <p14:creationId xmlns:p14="http://schemas.microsoft.com/office/powerpoint/2010/main" val="571162834"/>
       </p:ext>
     </p:extLst>
   </p:cSld>
@@ -6430,69 +6606,32 @@
           <a:lstStyle/>
           <a:p>
             <a:r>
-              <a:rPr lang="en-GB" sz="5000" dirty="0">
-                <a:solidFill>
-                  <a:schemeClr val="bg1"/>
-                </a:solidFill>
-              </a:rPr>
-              <a:t>Day and night, </a:t>
-            </a:r>
-          </a:p>
-          <a:p>
-            <a:r>
-              <a:rPr lang="en-GB" sz="5000" dirty="0">
-                <a:solidFill>
-                  <a:schemeClr val="bg1"/>
-                </a:solidFill>
-              </a:rPr>
-              <a:t>Night and day, </a:t>
-            </a:r>
-          </a:p>
-          <a:p>
-            <a:r>
-              <a:rPr lang="en-GB" sz="5000" dirty="0">
-                <a:solidFill>
-                  <a:schemeClr val="bg1"/>
-                </a:solidFill>
-              </a:rPr>
-              <a:t>Let incense arise</a:t>
-            </a:r>
-          </a:p>
-          <a:p>
-            <a:r>
-              <a:rPr lang="en-GB" sz="5000" dirty="0">
-                <a:solidFill>
-                  <a:schemeClr val="bg1"/>
-                </a:solidFill>
-              </a:rPr>
-              <a:t>(X4)</a:t>
-            </a:r>
-          </a:p>
-          <a:p>
-            <a:endParaRPr lang="en-GB" sz="5000" dirty="0">
-              <a:solidFill>
-                <a:schemeClr val="bg1"/>
-              </a:solidFill>
-            </a:endParaRPr>
-          </a:p>
-          <a:p>
-            <a:r>
-              <a:rPr lang="en-GB" sz="5000" dirty="0">
-                <a:solidFill>
-                  <a:schemeClr val="bg1"/>
-                </a:solidFill>
-              </a:rPr>
-              <a:t>Day and night </a:t>
-            </a:r>
-          </a:p>
-          <a:p>
-            <a:r>
-              <a:rPr lang="en-GB" sz="5000" dirty="0">
-                <a:solidFill>
-                  <a:schemeClr val="bg1"/>
-                </a:solidFill>
-              </a:rPr>
-              <a:t>Night and day</a:t>
+              <a:rPr lang="en-GB" sz="4600" dirty="0">
+                <a:solidFill>
+                  <a:schemeClr val="bg1"/>
+                </a:solidFill>
+              </a:rPr>
+              <a:t>There's nothing worth more that will ever come close</a:t>
+            </a:r>
+          </a:p>
+          <a:p>
+            <a:r>
+              <a:rPr lang="en-GB" sz="4600" dirty="0">
+                <a:solidFill>
+                  <a:schemeClr val="bg1"/>
+                </a:solidFill>
+              </a:rPr>
+              <a:t>No thing can compare You're our living hope</a:t>
+            </a:r>
+          </a:p>
+          <a:p>
+            <a:r>
+              <a:rPr lang="en-GB" sz="4600" dirty="0">
+                <a:solidFill>
+                  <a:schemeClr val="bg1"/>
+                </a:solidFill>
+              </a:rPr>
+              <a:t>Your Presence</a:t>
             </a:r>
           </a:p>
         </p:txBody>
@@ -6525,7 +6664,7 @@
                   <a:schemeClr val="bg1"/>
                 </a:solidFill>
               </a:rPr>
-              <a:t>3/3</a:t>
+              <a:t>1/4</a:t>
             </a:r>
           </a:p>
         </p:txBody>
@@ -6533,7 +6672,7 @@
     </p:spTree>
     <p:extLst>
       <p:ext uri="{BB962C8B-B14F-4D97-AF65-F5344CB8AC3E}">
-        <p14:creationId xmlns:p14="http://schemas.microsoft.com/office/powerpoint/2010/main" val="1538111676"/>
+        <p14:creationId xmlns:p14="http://schemas.microsoft.com/office/powerpoint/2010/main" val="1009089382"/>
       </p:ext>
     </p:extLst>
   </p:cSld>
@@ -6544,6 +6683,480 @@
 </file>
 
 <file path=ppt/slides/slide28.xml><?xml version="1.0" encoding="utf-8"?>
+<p:sld xmlns:a="http://schemas.openxmlformats.org/drawingml/2006/main" xmlns:r="http://schemas.openxmlformats.org/officeDocument/2006/relationships" xmlns:p="http://schemas.openxmlformats.org/presentationml/2006/main">
+  <p:cSld>
+    <p:spTree>
+      <p:nvGrpSpPr>
+        <p:cNvPr id="1" name=""/>
+        <p:cNvGrpSpPr/>
+        <p:nvPr/>
+      </p:nvGrpSpPr>
+      <p:grpSpPr>
+        <a:xfrm>
+          <a:off x="0" y="0"/>
+          <a:ext cx="0" cy="0"/>
+          <a:chOff x="0" y="0"/>
+          <a:chExt cx="0" cy="0"/>
+        </a:xfrm>
+      </p:grpSpPr>
+      <p:sp>
+        <p:nvSpPr>
+          <p:cNvPr id="3" name="Subtitle 2"/>
+          <p:cNvSpPr>
+            <a:spLocks noGrp="1"/>
+          </p:cNvSpPr>
+          <p:nvPr>
+            <p:ph type="subTitle" idx="1"/>
+          </p:nvPr>
+        </p:nvSpPr>
+        <p:spPr>
+          <a:xfrm>
+            <a:off x="323528" y="188640"/>
+            <a:ext cx="8640960" cy="6480720"/>
+          </a:xfrm>
+        </p:spPr>
+        <p:txBody>
+          <a:bodyPr>
+            <a:noAutofit/>
+          </a:bodyPr>
+          <a:lstStyle/>
+          <a:p>
+            <a:r>
+              <a:rPr lang="en-GB" sz="4800" dirty="0">
+                <a:solidFill>
+                  <a:schemeClr val="bg1"/>
+                </a:solidFill>
+              </a:rPr>
+              <a:t>I've tasted and seen of the sweetest of loves</a:t>
+            </a:r>
+          </a:p>
+          <a:p>
+            <a:r>
+              <a:rPr lang="en-GB" sz="4800" dirty="0">
+                <a:solidFill>
+                  <a:schemeClr val="bg1"/>
+                </a:solidFill>
+              </a:rPr>
+              <a:t>Where my heart becomes free and my shame is undone</a:t>
+            </a:r>
+          </a:p>
+          <a:p>
+            <a:r>
+              <a:rPr lang="en-GB" sz="4800" dirty="0">
+                <a:solidFill>
+                  <a:schemeClr val="bg1"/>
+                </a:solidFill>
+              </a:rPr>
+              <a:t>In Your Presence Lord</a:t>
+            </a:r>
+          </a:p>
+        </p:txBody>
+      </p:sp>
+      <p:sp>
+        <p:nvSpPr>
+          <p:cNvPr id="4" name="TextBox 3"/>
+          <p:cNvSpPr txBox="1"/>
+          <p:nvPr/>
+        </p:nvSpPr>
+        <p:spPr>
+          <a:xfrm>
+            <a:off x="8529729" y="0"/>
+            <a:ext cx="628698" cy="461665"/>
+          </a:xfrm>
+          <a:prstGeom prst="rect">
+            <a:avLst/>
+          </a:prstGeom>
+          <a:noFill/>
+        </p:spPr>
+        <p:txBody>
+          <a:bodyPr wrap="none" rtlCol="0">
+            <a:spAutoFit/>
+          </a:bodyPr>
+          <a:lstStyle/>
+          <a:p>
+            <a:r>
+              <a:rPr lang="en-GB" sz="2400" b="1" dirty="0">
+                <a:solidFill>
+                  <a:schemeClr val="bg1"/>
+                </a:solidFill>
+              </a:rPr>
+              <a:t>2/4</a:t>
+            </a:r>
+          </a:p>
+        </p:txBody>
+      </p:sp>
+    </p:spTree>
+    <p:extLst>
+      <p:ext uri="{BB962C8B-B14F-4D97-AF65-F5344CB8AC3E}">
+        <p14:creationId xmlns:p14="http://schemas.microsoft.com/office/powerpoint/2010/main" val="4194683332"/>
+      </p:ext>
+    </p:extLst>
+  </p:cSld>
+  <p:clrMapOvr>
+    <a:masterClrMapping/>
+  </p:clrMapOvr>
+</p:sld>
+</file>
+
+<file path=ppt/slides/slide29.xml><?xml version="1.0" encoding="utf-8"?>
+<p:sld xmlns:a="http://schemas.openxmlformats.org/drawingml/2006/main" xmlns:r="http://schemas.openxmlformats.org/officeDocument/2006/relationships" xmlns:p="http://schemas.openxmlformats.org/presentationml/2006/main">
+  <p:cSld>
+    <p:spTree>
+      <p:nvGrpSpPr>
+        <p:cNvPr id="1" name=""/>
+        <p:cNvGrpSpPr/>
+        <p:nvPr/>
+      </p:nvGrpSpPr>
+      <p:grpSpPr>
+        <a:xfrm>
+          <a:off x="0" y="0"/>
+          <a:ext cx="0" cy="0"/>
+          <a:chOff x="0" y="0"/>
+          <a:chExt cx="0" cy="0"/>
+        </a:xfrm>
+      </p:grpSpPr>
+      <p:sp>
+        <p:nvSpPr>
+          <p:cNvPr id="3" name="Subtitle 2"/>
+          <p:cNvSpPr>
+            <a:spLocks noGrp="1"/>
+          </p:cNvSpPr>
+          <p:nvPr>
+            <p:ph type="subTitle" idx="1"/>
+          </p:nvPr>
+        </p:nvSpPr>
+        <p:spPr>
+          <a:xfrm>
+            <a:off x="323528" y="188640"/>
+            <a:ext cx="8640960" cy="6480720"/>
+          </a:xfrm>
+        </p:spPr>
+        <p:txBody>
+          <a:bodyPr>
+            <a:noAutofit/>
+          </a:bodyPr>
+          <a:lstStyle/>
+          <a:p>
+            <a:r>
+              <a:rPr lang="en-GB" sz="4800" dirty="0">
+                <a:solidFill>
+                  <a:schemeClr val="bg1"/>
+                </a:solidFill>
+              </a:rPr>
+              <a:t>Holy Spirit You are welcome here</a:t>
+            </a:r>
+          </a:p>
+          <a:p>
+            <a:r>
+              <a:rPr lang="en-GB" sz="4800" dirty="0">
+                <a:solidFill>
+                  <a:schemeClr val="bg1"/>
+                </a:solidFill>
+              </a:rPr>
+              <a:t>Come flood this place and fill the atmosphere</a:t>
+            </a:r>
+          </a:p>
+          <a:p>
+            <a:r>
+              <a:rPr lang="en-GB" sz="4800" dirty="0">
+                <a:solidFill>
+                  <a:schemeClr val="bg1"/>
+                </a:solidFill>
+              </a:rPr>
+              <a:t>Your glory God is what our hearts long for</a:t>
+            </a:r>
+          </a:p>
+          <a:p>
+            <a:r>
+              <a:rPr lang="en-GB" sz="4800" dirty="0">
+                <a:solidFill>
+                  <a:schemeClr val="bg1"/>
+                </a:solidFill>
+              </a:rPr>
+              <a:t>To be overcome by Your Presence Lord</a:t>
+            </a:r>
+          </a:p>
+        </p:txBody>
+      </p:sp>
+      <p:sp>
+        <p:nvSpPr>
+          <p:cNvPr id="4" name="TextBox 3"/>
+          <p:cNvSpPr txBox="1"/>
+          <p:nvPr/>
+        </p:nvSpPr>
+        <p:spPr>
+          <a:xfrm>
+            <a:off x="8529729" y="0"/>
+            <a:ext cx="628698" cy="461665"/>
+          </a:xfrm>
+          <a:prstGeom prst="rect">
+            <a:avLst/>
+          </a:prstGeom>
+          <a:noFill/>
+        </p:spPr>
+        <p:txBody>
+          <a:bodyPr wrap="none" rtlCol="0">
+            <a:spAutoFit/>
+          </a:bodyPr>
+          <a:lstStyle/>
+          <a:p>
+            <a:r>
+              <a:rPr lang="en-GB" sz="2400" b="1" dirty="0">
+                <a:solidFill>
+                  <a:schemeClr val="bg1"/>
+                </a:solidFill>
+              </a:rPr>
+              <a:t>3/4</a:t>
+            </a:r>
+          </a:p>
+        </p:txBody>
+      </p:sp>
+    </p:spTree>
+    <p:extLst>
+      <p:ext uri="{BB962C8B-B14F-4D97-AF65-F5344CB8AC3E}">
+        <p14:creationId xmlns:p14="http://schemas.microsoft.com/office/powerpoint/2010/main" val="1387721954"/>
+      </p:ext>
+    </p:extLst>
+  </p:cSld>
+  <p:clrMapOvr>
+    <a:masterClrMapping/>
+  </p:clrMapOvr>
+</p:sld>
+</file>
+
+<file path=ppt/slides/slide3.xml><?xml version="1.0" encoding="utf-8"?>
+<p:sld xmlns:a="http://schemas.openxmlformats.org/drawingml/2006/main" xmlns:r="http://schemas.openxmlformats.org/officeDocument/2006/relationships" xmlns:p="http://schemas.openxmlformats.org/presentationml/2006/main">
+  <p:cSld>
+    <p:spTree>
+      <p:nvGrpSpPr>
+        <p:cNvPr id="1" name=""/>
+        <p:cNvGrpSpPr/>
+        <p:nvPr/>
+      </p:nvGrpSpPr>
+      <p:grpSpPr>
+        <a:xfrm>
+          <a:off x="0" y="0"/>
+          <a:ext cx="0" cy="0"/>
+          <a:chOff x="0" y="0"/>
+          <a:chExt cx="0" cy="0"/>
+        </a:xfrm>
+      </p:grpSpPr>
+      <p:sp>
+        <p:nvSpPr>
+          <p:cNvPr id="3" name="Subtitle 2"/>
+          <p:cNvSpPr>
+            <a:spLocks noGrp="1"/>
+          </p:cNvSpPr>
+          <p:nvPr>
+            <p:ph type="subTitle" idx="1"/>
+          </p:nvPr>
+        </p:nvSpPr>
+        <p:spPr>
+          <a:xfrm>
+            <a:off x="323528" y="188640"/>
+            <a:ext cx="8640960" cy="6480720"/>
+          </a:xfrm>
+        </p:spPr>
+        <p:txBody>
+          <a:bodyPr>
+            <a:noAutofit/>
+          </a:bodyPr>
+          <a:lstStyle/>
+          <a:p>
+            <a:r>
+              <a:rPr lang="en-GB" sz="6200" dirty="0">
+                <a:solidFill>
+                  <a:schemeClr val="bg1"/>
+                </a:solidFill>
+              </a:rPr>
+              <a:t>Our God is a great big God</a:t>
+            </a:r>
+          </a:p>
+          <a:p>
+            <a:r>
+              <a:rPr lang="en-GB" sz="6200" dirty="0">
+                <a:solidFill>
+                  <a:schemeClr val="bg1"/>
+                </a:solidFill>
+              </a:rPr>
+              <a:t>Our God is a great big God</a:t>
+            </a:r>
+          </a:p>
+          <a:p>
+            <a:r>
+              <a:rPr lang="en-GB" sz="6200" dirty="0">
+                <a:solidFill>
+                  <a:schemeClr val="bg1"/>
+                </a:solidFill>
+              </a:rPr>
+              <a:t>Our God is a great big God</a:t>
+            </a:r>
+          </a:p>
+          <a:p>
+            <a:r>
+              <a:rPr lang="en-GB" sz="6200" dirty="0">
+                <a:solidFill>
+                  <a:schemeClr val="bg1"/>
+                </a:solidFill>
+              </a:rPr>
+              <a:t>And He holds us in His hands</a:t>
+            </a:r>
+          </a:p>
+        </p:txBody>
+      </p:sp>
+      <p:sp>
+        <p:nvSpPr>
+          <p:cNvPr id="4" name="TextBox 3"/>
+          <p:cNvSpPr txBox="1"/>
+          <p:nvPr/>
+        </p:nvSpPr>
+        <p:spPr>
+          <a:xfrm>
+            <a:off x="8529729" y="0"/>
+            <a:ext cx="628698" cy="461665"/>
+          </a:xfrm>
+          <a:prstGeom prst="rect">
+            <a:avLst/>
+          </a:prstGeom>
+          <a:noFill/>
+        </p:spPr>
+        <p:txBody>
+          <a:bodyPr wrap="none" rtlCol="0">
+            <a:spAutoFit/>
+          </a:bodyPr>
+          <a:lstStyle/>
+          <a:p>
+            <a:r>
+              <a:rPr lang="en-GB" sz="2400" b="1" dirty="0">
+                <a:solidFill>
+                  <a:schemeClr val="bg1"/>
+                </a:solidFill>
+              </a:rPr>
+              <a:t>1/2</a:t>
+            </a:r>
+          </a:p>
+        </p:txBody>
+      </p:sp>
+    </p:spTree>
+    <p:extLst>
+      <p:ext uri="{BB962C8B-B14F-4D97-AF65-F5344CB8AC3E}">
+        <p14:creationId xmlns:p14="http://schemas.microsoft.com/office/powerpoint/2010/main" val="620815745"/>
+      </p:ext>
+    </p:extLst>
+  </p:cSld>
+  <p:clrMapOvr>
+    <a:masterClrMapping/>
+  </p:clrMapOvr>
+</p:sld>
+</file>
+
+<file path=ppt/slides/slide30.xml><?xml version="1.0" encoding="utf-8"?>
+<p:sld xmlns:a="http://schemas.openxmlformats.org/drawingml/2006/main" xmlns:r="http://schemas.openxmlformats.org/officeDocument/2006/relationships" xmlns:p="http://schemas.openxmlformats.org/presentationml/2006/main">
+  <p:cSld>
+    <p:spTree>
+      <p:nvGrpSpPr>
+        <p:cNvPr id="1" name=""/>
+        <p:cNvGrpSpPr/>
+        <p:nvPr/>
+      </p:nvGrpSpPr>
+      <p:grpSpPr>
+        <a:xfrm>
+          <a:off x="0" y="0"/>
+          <a:ext cx="0" cy="0"/>
+          <a:chOff x="0" y="0"/>
+          <a:chExt cx="0" cy="0"/>
+        </a:xfrm>
+      </p:grpSpPr>
+      <p:sp>
+        <p:nvSpPr>
+          <p:cNvPr id="3" name="Subtitle 2"/>
+          <p:cNvSpPr>
+            <a:spLocks noGrp="1"/>
+          </p:cNvSpPr>
+          <p:nvPr>
+            <p:ph type="subTitle" idx="1"/>
+          </p:nvPr>
+        </p:nvSpPr>
+        <p:spPr>
+          <a:xfrm>
+            <a:off x="323528" y="188640"/>
+            <a:ext cx="8640960" cy="6480720"/>
+          </a:xfrm>
+        </p:spPr>
+        <p:txBody>
+          <a:bodyPr>
+            <a:noAutofit/>
+          </a:bodyPr>
+          <a:lstStyle/>
+          <a:p>
+            <a:r>
+              <a:rPr lang="en-GB" sz="4800" dirty="0">
+                <a:solidFill>
+                  <a:schemeClr val="bg1"/>
+                </a:solidFill>
+              </a:rPr>
+              <a:t>Let us become more aware of Your Presence</a:t>
+            </a:r>
+          </a:p>
+          <a:p>
+            <a:r>
+              <a:rPr lang="en-GB" sz="4800" dirty="0">
+                <a:solidFill>
+                  <a:schemeClr val="bg1"/>
+                </a:solidFill>
+              </a:rPr>
+              <a:t>Let us experience the glory of Your goodness (Lord)</a:t>
+            </a:r>
+          </a:p>
+        </p:txBody>
+      </p:sp>
+      <p:sp>
+        <p:nvSpPr>
+          <p:cNvPr id="4" name="TextBox 3"/>
+          <p:cNvSpPr txBox="1"/>
+          <p:nvPr/>
+        </p:nvSpPr>
+        <p:spPr>
+          <a:xfrm>
+            <a:off x="8529729" y="0"/>
+            <a:ext cx="628698" cy="461665"/>
+          </a:xfrm>
+          <a:prstGeom prst="rect">
+            <a:avLst/>
+          </a:prstGeom>
+          <a:noFill/>
+        </p:spPr>
+        <p:txBody>
+          <a:bodyPr wrap="none" rtlCol="0">
+            <a:spAutoFit/>
+          </a:bodyPr>
+          <a:lstStyle/>
+          <a:p>
+            <a:r>
+              <a:rPr lang="en-GB" sz="2400" b="1" dirty="0">
+                <a:solidFill>
+                  <a:schemeClr val="bg1"/>
+                </a:solidFill>
+              </a:rPr>
+              <a:t>4/4</a:t>
+            </a:r>
+          </a:p>
+        </p:txBody>
+      </p:sp>
+    </p:spTree>
+    <p:extLst>
+      <p:ext uri="{BB962C8B-B14F-4D97-AF65-F5344CB8AC3E}">
+        <p14:creationId xmlns:p14="http://schemas.microsoft.com/office/powerpoint/2010/main" val="3145945726"/>
+      </p:ext>
+    </p:extLst>
+  </p:cSld>
+  <p:clrMapOvr>
+    <a:masterClrMapping/>
+  </p:clrMapOvr>
+</p:sld>
+</file>
+
+<file path=ppt/slides/slide31.xml><?xml version="1.0" encoding="utf-8"?>
 <p:sld xmlns:a="http://schemas.openxmlformats.org/drawingml/2006/main" xmlns:r="http://schemas.openxmlformats.org/officeDocument/2006/relationships" xmlns:p="http://schemas.openxmlformats.org/presentationml/2006/main">
   <p:cSld>
     <p:spTree>
@@ -6573,7 +7186,7 @@
 </p:sld>
 </file>
 
-<file path=ppt/slides/slide29.xml><?xml version="1.0" encoding="utf-8"?>
+<file path=ppt/slides/slide32.xml><?xml version="1.0" encoding="utf-8"?>
 <p:sld xmlns:a="http://schemas.openxmlformats.org/drawingml/2006/main" xmlns:r="http://schemas.openxmlformats.org/officeDocument/2006/relationships" xmlns:p="http://schemas.openxmlformats.org/presentationml/2006/main">
   <p:cSld>
     <p:spTree>
@@ -6640,132 +7253,6 @@
     <p:extLst>
       <p:ext uri="{BB962C8B-B14F-4D97-AF65-F5344CB8AC3E}">
         <p14:creationId xmlns:p14="http://schemas.microsoft.com/office/powerpoint/2010/main" val="2828555346"/>
-      </p:ext>
-    </p:extLst>
-  </p:cSld>
-  <p:clrMapOvr>
-    <a:masterClrMapping/>
-  </p:clrMapOvr>
-</p:sld>
-</file>
-
-<file path=ppt/slides/slide3.xml><?xml version="1.0" encoding="utf-8"?>
-<p:sld xmlns:a="http://schemas.openxmlformats.org/drawingml/2006/main" xmlns:r="http://schemas.openxmlformats.org/officeDocument/2006/relationships" xmlns:p="http://schemas.openxmlformats.org/presentationml/2006/main">
-  <p:cSld>
-    <p:spTree>
-      <p:nvGrpSpPr>
-        <p:cNvPr id="1" name=""/>
-        <p:cNvGrpSpPr/>
-        <p:nvPr/>
-      </p:nvGrpSpPr>
-      <p:grpSpPr>
-        <a:xfrm>
-          <a:off x="0" y="0"/>
-          <a:ext cx="0" cy="0"/>
-          <a:chOff x="0" y="0"/>
-          <a:chExt cx="0" cy="0"/>
-        </a:xfrm>
-      </p:grpSpPr>
-      <p:sp>
-        <p:nvSpPr>
-          <p:cNvPr id="3" name="Subtitle 2"/>
-          <p:cNvSpPr>
-            <a:spLocks noGrp="1"/>
-          </p:cNvSpPr>
-          <p:nvPr>
-            <p:ph type="subTitle" idx="1"/>
-          </p:nvPr>
-        </p:nvSpPr>
-        <p:spPr>
-          <a:xfrm>
-            <a:off x="323528" y="188640"/>
-            <a:ext cx="8640960" cy="6480720"/>
-          </a:xfrm>
-        </p:spPr>
-        <p:txBody>
-          <a:bodyPr>
-            <a:noAutofit/>
-          </a:bodyPr>
-          <a:lstStyle/>
-          <a:p>
-            <a:r>
-              <a:rPr lang="en-GB" sz="6200" dirty="0">
-                <a:solidFill>
-                  <a:schemeClr val="bg1"/>
-                </a:solidFill>
-              </a:rPr>
-              <a:t>Our God is a great big God</a:t>
-            </a:r>
-          </a:p>
-          <a:p>
-            <a:r>
-              <a:rPr lang="en-GB" sz="6200" dirty="0">
-                <a:solidFill>
-                  <a:schemeClr val="bg1"/>
-                </a:solidFill>
-              </a:rPr>
-              <a:t>Our God is a great big God</a:t>
-            </a:r>
-          </a:p>
-          <a:p>
-            <a:r>
-              <a:rPr lang="en-GB" sz="6200" dirty="0">
-                <a:solidFill>
-                  <a:schemeClr val="bg1"/>
-                </a:solidFill>
-              </a:rPr>
-              <a:t>Our God is a great big God</a:t>
-            </a:r>
-          </a:p>
-          <a:p>
-            <a:r>
-              <a:rPr lang="en-GB" sz="6200" dirty="0">
-                <a:solidFill>
-                  <a:schemeClr val="bg1"/>
-                </a:solidFill>
-              </a:rPr>
-              <a:t>And He holds us in His hands</a:t>
-            </a:r>
-          </a:p>
-        </p:txBody>
-      </p:sp>
-      <p:sp>
-        <p:nvSpPr>
-          <p:cNvPr id="4" name="TextBox 3"/>
-          <p:cNvSpPr txBox="1"/>
-          <p:nvPr/>
-        </p:nvSpPr>
-        <p:spPr>
-          <a:xfrm>
-            <a:off x="8529729" y="0"/>
-            <a:ext cx="628698" cy="461665"/>
-          </a:xfrm>
-          <a:prstGeom prst="rect">
-            <a:avLst/>
-          </a:prstGeom>
-          <a:noFill/>
-        </p:spPr>
-        <p:txBody>
-          <a:bodyPr wrap="none" rtlCol="0">
-            <a:spAutoFit/>
-          </a:bodyPr>
-          <a:lstStyle/>
-          <a:p>
-            <a:r>
-              <a:rPr lang="en-GB" sz="2400" b="1" dirty="0">
-                <a:solidFill>
-                  <a:schemeClr val="bg1"/>
-                </a:solidFill>
-              </a:rPr>
-              <a:t>1/2</a:t>
-            </a:r>
-          </a:p>
-        </p:txBody>
-      </p:sp>
-    </p:spTree>
-    <p:extLst>
-      <p:ext uri="{BB962C8B-B14F-4D97-AF65-F5344CB8AC3E}">
-        <p14:creationId xmlns:p14="http://schemas.microsoft.com/office/powerpoint/2010/main" val="620815745"/>
       </p:ext>
     </p:extLst>
   </p:cSld>
